--- a/PCA-presentation.pptx
+++ b/PCA-presentation.pptx
@@ -7,16 +7,20 @@
   <p:sldIdLst>
     <p:sldId id="256" r:id="rId2"/>
     <p:sldId id="262" r:id="rId3"/>
-    <p:sldId id="257" r:id="rId4"/>
-    <p:sldId id="258" r:id="rId5"/>
-    <p:sldId id="259" r:id="rId6"/>
-    <p:sldId id="260" r:id="rId7"/>
-    <p:sldId id="266" r:id="rId8"/>
-    <p:sldId id="264" r:id="rId9"/>
-    <p:sldId id="267" r:id="rId10"/>
-    <p:sldId id="261" r:id="rId11"/>
-    <p:sldId id="263" r:id="rId12"/>
-    <p:sldId id="265" r:id="rId13"/>
+    <p:sldId id="269" r:id="rId4"/>
+    <p:sldId id="257" r:id="rId5"/>
+    <p:sldId id="258" r:id="rId6"/>
+    <p:sldId id="259" r:id="rId7"/>
+    <p:sldId id="260" r:id="rId8"/>
+    <p:sldId id="266" r:id="rId9"/>
+    <p:sldId id="271" r:id="rId10"/>
+    <p:sldId id="270" r:id="rId11"/>
+    <p:sldId id="264" r:id="rId12"/>
+    <p:sldId id="267" r:id="rId13"/>
+    <p:sldId id="261" r:id="rId14"/>
+    <p:sldId id="268" r:id="rId15"/>
+    <p:sldId id="263" r:id="rId16"/>
+    <p:sldId id="265" r:id="rId17"/>
   </p:sldIdLst>
   <p:sldSz cx="12192000" cy="6858000"/>
   <p:notesSz cx="6858000" cy="9144000"/>
@@ -115,6 +119,11 @@
       </a:defRPr>
     </a:lvl9pPr>
   </p:defaultTextStyle>
+  <p:extLst>
+    <p:ext uri="{EFAFB233-063F-42B5-8137-9DF3F51BA10A}">
+      <p15:sldGuideLst xmlns:p15="http://schemas.microsoft.com/office/powerpoint/2012/main"/>
+    </p:ext>
+  </p:extLst>
 </p:presentation>
 </file>
 
@@ -392,7 +401,7 @@
           <a:p>
             <a:fld id="{78ABE3C1-DBE1-495D-B57B-2849774B866A}" type="datetimeFigureOut">
               <a:rPr lang="en-US" dirty="0"/>
-              <a:t>11/29/23</a:t>
+              <a:t>12/3/23</a:t>
             </a:fld>
             <a:endParaRPr lang="en-US" dirty="0"/>
           </a:p>
@@ -801,7 +810,7 @@
           <a:p>
             <a:fld id="{446C117F-5CCF-4837-BE5F-2B92066CAFAF}" type="datetimeFigureOut">
               <a:rPr lang="en-US" dirty="0"/>
-              <a:t>11/29/23</a:t>
+              <a:t>12/3/23</a:t>
             </a:fld>
             <a:endParaRPr lang="en-US" dirty="0"/>
           </a:p>
@@ -1132,7 +1141,7 @@
           <a:p>
             <a:fld id="{84EB90BD-B6CE-46B7-997F-7313B992CCDC}" type="datetimeFigureOut">
               <a:rPr lang="en-US" dirty="0"/>
-              <a:t>11/29/23</a:t>
+              <a:t>12/3/23</a:t>
             </a:fld>
             <a:endParaRPr lang="en-US" dirty="0"/>
           </a:p>
@@ -1532,7 +1541,7 @@
           <a:p>
             <a:fld id="{CDB9D11F-B188-461D-B23F-39381795C052}" type="datetimeFigureOut">
               <a:rPr lang="en-US" dirty="0"/>
-              <a:t>11/29/23</a:t>
+              <a:t>12/3/23</a:t>
             </a:fld>
             <a:endParaRPr lang="en-US" dirty="0"/>
           </a:p>
@@ -2095,7 +2104,7 @@
           <a:p>
             <a:fld id="{52E6D8D9-55A2-4063-B0F3-121F44549695}" type="datetimeFigureOut">
               <a:rPr lang="en-US" dirty="0"/>
-              <a:t>11/29/23</a:t>
+              <a:t>12/3/23</a:t>
             </a:fld>
             <a:endParaRPr lang="en-US" dirty="0"/>
           </a:p>
@@ -2771,7 +2780,7 @@
           <a:p>
             <a:fld id="{D4B24536-994D-4021-A283-9F449C0DB509}" type="datetimeFigureOut">
               <a:rPr lang="en-US" dirty="0"/>
-              <a:t>11/29/23</a:t>
+              <a:t>12/3/23</a:t>
             </a:fld>
             <a:endParaRPr lang="en-US" dirty="0"/>
           </a:p>
@@ -3679,7 +3688,7 @@
           <a:p>
             <a:fld id="{3CBBBB78-C96F-47B7-AB17-D852CA960AC9}" type="datetimeFigureOut">
               <a:rPr lang="en-US" dirty="0"/>
-              <a:t>11/29/23</a:t>
+              <a:t>12/3/23</a:t>
             </a:fld>
             <a:endParaRPr lang="en-US" dirty="0"/>
           </a:p>
@@ -3987,7 +3996,7 @@
           <a:p>
             <a:fld id="{1FA3F48C-C7C6-4055-9F49-3777875E72AE}" type="datetimeFigureOut">
               <a:rPr lang="en-US" dirty="0"/>
-              <a:t>11/29/23</a:t>
+              <a:t>12/3/23</a:t>
             </a:fld>
             <a:endParaRPr lang="en-US" dirty="0"/>
           </a:p>
@@ -4246,7 +4255,7 @@
           <a:p>
             <a:fld id="{6178E61D-D431-422C-9764-11DAFE33AB63}" type="datetimeFigureOut">
               <a:rPr lang="en-US" dirty="0"/>
-              <a:t>11/29/23</a:t>
+              <a:t>12/3/23</a:t>
             </a:fld>
             <a:endParaRPr lang="en-US" dirty="0"/>
           </a:p>
@@ -4565,7 +4574,7 @@
           <a:p>
             <a:fld id="{12DE42F4-6EEF-4EF7-8ED4-2208F0F89A08}" type="datetimeFigureOut">
               <a:rPr lang="en-US" dirty="0"/>
-              <a:t>11/29/23</a:t>
+              <a:t>12/3/23</a:t>
             </a:fld>
             <a:endParaRPr lang="en-US" dirty="0"/>
           </a:p>
@@ -4949,7 +4958,7 @@
           <a:p>
             <a:fld id="{30578ACC-22D6-47C1-A373-4FD133E34F3C}" type="datetimeFigureOut">
               <a:rPr lang="en-US" dirty="0"/>
-              <a:t>11/29/23</a:t>
+              <a:t>12/3/23</a:t>
             </a:fld>
             <a:endParaRPr lang="en-US" dirty="0"/>
           </a:p>
@@ -5320,7 +5329,7 @@
           <a:p>
             <a:fld id="{4E5A6C69-6797-4E8A-BF37-F2C3751466E9}" type="datetimeFigureOut">
               <a:rPr lang="en-US" dirty="0"/>
-              <a:t>11/29/23</a:t>
+              <a:t>12/3/23</a:t>
             </a:fld>
             <a:endParaRPr lang="en-US" dirty="0"/>
           </a:p>
@@ -5821,7 +5830,7 @@
           <a:p>
             <a:fld id="{D82014A1-A632-4878-A0D3-F52BA7563730}" type="datetimeFigureOut">
               <a:rPr lang="en-US" dirty="0"/>
-              <a:t>11/29/23</a:t>
+              <a:t>12/3/23</a:t>
             </a:fld>
             <a:endParaRPr lang="en-US" dirty="0"/>
           </a:p>
@@ -6073,7 +6082,7 @@
           <a:p>
             <a:fld id="{CE99F462-093F-4566-844B-4C71F2739DA5}" type="datetimeFigureOut">
               <a:rPr lang="en-US" dirty="0"/>
-              <a:t>11/29/23</a:t>
+              <a:t>12/3/23</a:t>
             </a:fld>
             <a:endParaRPr lang="en-US" dirty="0"/>
           </a:p>
@@ -6231,7 +6240,7 @@
           <a:p>
             <a:fld id="{3D24A7AC-904D-4781-85BA-7D10C17ED021}" type="datetimeFigureOut">
               <a:rPr lang="en-US" dirty="0"/>
-              <a:t>11/29/23</a:t>
+              <a:t>12/3/23</a:t>
             </a:fld>
             <a:endParaRPr lang="en-US" dirty="0"/>
           </a:p>
@@ -6616,7 +6625,7 @@
           <a:p>
             <a:fld id="{E331444B-B92B-4E27-8C94-BB93EAF5CB18}" type="datetimeFigureOut">
               <a:rPr lang="en-US" dirty="0"/>
-              <a:t>11/29/23</a:t>
+              <a:t>12/3/23</a:t>
             </a:fld>
             <a:endParaRPr lang="en-US" dirty="0"/>
           </a:p>
@@ -7020,7 +7029,7 @@
           <a:p>
             <a:fld id="{363EFA5E-FA76-400D-B3DC-F0BA90E6D107}" type="datetimeFigureOut">
               <a:rPr lang="en-US" dirty="0"/>
-              <a:t>11/29/23</a:t>
+              <a:t>12/3/23</a:t>
             </a:fld>
             <a:endParaRPr lang="en-US" dirty="0"/>
           </a:p>
@@ -7259,7 +7268,7 @@
           <a:p>
             <a:fld id="{9D6E9DEC-419B-4CC5-A080-3B06BD5A8291}" type="datetimeFigureOut">
               <a:rPr lang="en-US" dirty="0"/>
-              <a:t>11/29/23</a:t>
+              <a:t>12/3/23</a:t>
             </a:fld>
             <a:endParaRPr lang="en-US" dirty="0"/>
           </a:p>
@@ -7736,6 +7745,41 @@
 <file path=ppt/slides/slide10.xml><?xml version="1.0" encoding="utf-8"?>
 <p:sld xmlns:a="http://schemas.openxmlformats.org/drawingml/2006/main" xmlns:r="http://schemas.openxmlformats.org/officeDocument/2006/relationships" xmlns:p="http://schemas.openxmlformats.org/presentationml/2006/main">
   <p:cSld>
+    <p:bg>
+      <p:bgPr>
+        <a:gradFill rotWithShape="1">
+          <a:gsLst>
+            <a:gs pos="0">
+              <a:schemeClr val="bg2">
+                <a:tint val="96000"/>
+                <a:shade val="100000"/>
+                <a:hueMod val="270000"/>
+                <a:satMod val="200000"/>
+                <a:lumMod val="128000"/>
+              </a:schemeClr>
+            </a:gs>
+            <a:gs pos="50000">
+              <a:schemeClr val="bg2">
+                <a:shade val="100000"/>
+                <a:hueMod val="100000"/>
+                <a:satMod val="110000"/>
+                <a:lumMod val="130000"/>
+              </a:schemeClr>
+            </a:gs>
+            <a:gs pos="100000">
+              <a:schemeClr val="bg2">
+                <a:shade val="78000"/>
+                <a:hueMod val="44000"/>
+                <a:satMod val="200000"/>
+                <a:lumMod val="69000"/>
+              </a:schemeClr>
+            </a:gs>
+          </a:gsLst>
+          <a:lin ang="2520000" scaled="0"/>
+        </a:gradFill>
+        <a:effectLst/>
+      </p:bgPr>
+    </p:bg>
     <p:spTree>
       <p:nvGrpSpPr>
         <p:cNvPr id="1" name=""/>
@@ -7750,12 +7794,246 @@
           <a:chExt cx="0" cy="0"/>
         </a:xfrm>
       </p:grpSpPr>
+      <p:grpSp>
+        <p:nvGrpSpPr>
+          <p:cNvPr id="9" name="Group 8">
+            <a:extLst>
+              <a:ext uri="{FF2B5EF4-FFF2-40B4-BE49-F238E27FC236}">
+                <a16:creationId xmlns:a16="http://schemas.microsoft.com/office/drawing/2014/main" id="{5B988D63-FA8B-436C-902E-E5005BC0492F}"/>
+              </a:ext>
+              <a:ext uri="{C183D7F6-B498-43B3-948B-1728B52AA6E4}">
+                <adec:decorative xmlns:adec="http://schemas.microsoft.com/office/drawing/2017/decorative" val="1"/>
+              </a:ext>
+            </a:extLst>
+          </p:cNvPr>
+          <p:cNvGrpSpPr>
+            <a:grpSpLocks noGrp="1" noUngrp="1" noRot="1" noChangeAspect="1" noMove="1" noResize="1"/>
+          </p:cNvGrpSpPr>
+          <p:nvPr>
+            <p:extLst>
+              <p:ext uri="{386F3935-93C4-4BCD-93E2-E3B085C9AB24}">
+                <p16:designElem xmlns:p16="http://schemas.microsoft.com/office/powerpoint/2015/main" val="1"/>
+              </p:ext>
+            </p:extLst>
+          </p:nvPr>
+        </p:nvGrpSpPr>
+        <p:grpSpPr>
+          <a:xfrm>
+            <a:off x="-3176" y="0"/>
+            <a:ext cx="12192000" cy="6858001"/>
+            <a:chOff x="-3176" y="0"/>
+            <a:chExt cx="12192000" cy="6858001"/>
+          </a:xfrm>
+        </p:grpSpPr>
+        <p:sp useBgFill="1">
+          <p:nvSpPr>
+            <p:cNvPr id="10" name="Rectangle 9">
+              <a:extLst>
+                <a:ext uri="{FF2B5EF4-FFF2-40B4-BE49-F238E27FC236}">
+                  <a16:creationId xmlns:a16="http://schemas.microsoft.com/office/drawing/2014/main" id="{2FD177FB-983E-4035-8B7A-655342A7E190}"/>
+                </a:ext>
+                <a:ext uri="{C183D7F6-B498-43B3-948B-1728B52AA6E4}">
+                  <adec:decorative xmlns:adec="http://schemas.microsoft.com/office/drawing/2017/decorative" val="1"/>
+                </a:ext>
+              </a:extLst>
+            </p:cNvPr>
+            <p:cNvSpPr/>
+            <p:nvPr>
+              <p:extLst>
+                <p:ext uri="{386F3935-93C4-4BCD-93E2-E3B085C9AB24}">
+                  <p16:designElem xmlns:p16="http://schemas.microsoft.com/office/powerpoint/2015/main" val="1"/>
+                </p:ext>
+              </p:extLst>
+            </p:nvPr>
+          </p:nvSpPr>
+          <p:spPr>
+            <a:xfrm>
+              <a:off x="0" y="0"/>
+              <a:ext cx="12188824" cy="6858001"/>
+            </a:xfrm>
+            <a:prstGeom prst="rect">
+              <a:avLst/>
+            </a:prstGeom>
+            <a:ln>
+              <a:noFill/>
+            </a:ln>
+          </p:spPr>
+          <p:style>
+            <a:lnRef idx="2">
+              <a:schemeClr val="accent1">
+                <a:shade val="50000"/>
+              </a:schemeClr>
+            </a:lnRef>
+            <a:fillRef idx="1">
+              <a:schemeClr val="accent1"/>
+            </a:fillRef>
+            <a:effectRef idx="0">
+              <a:schemeClr val="accent1"/>
+            </a:effectRef>
+            <a:fontRef idx="minor">
+              <a:schemeClr val="lt1"/>
+            </a:fontRef>
+          </p:style>
+          <p:txBody>
+            <a:bodyPr rtlCol="0" anchor="ctr"/>
+            <a:lstStyle/>
+            <a:p>
+              <a:pPr algn="ctr"/>
+              <a:endParaRPr lang="en-US"/>
+            </a:p>
+          </p:txBody>
+        </p:sp>
+        <p:pic>
+          <p:nvPicPr>
+            <p:cNvPr id="11" name="Picture 10">
+              <a:extLst>
+                <a:ext uri="{FF2B5EF4-FFF2-40B4-BE49-F238E27FC236}">
+                  <a16:creationId xmlns:a16="http://schemas.microsoft.com/office/drawing/2014/main" id="{9596D9C3-C0FC-4500-A696-55B9F77BB7A9}"/>
+                </a:ext>
+                <a:ext uri="{C183D7F6-B498-43B3-948B-1728B52AA6E4}">
+                  <adec:decorative xmlns:adec="http://schemas.microsoft.com/office/drawing/2017/decorative" val="1"/>
+                </a:ext>
+              </a:extLst>
+            </p:cNvPr>
+            <p:cNvPicPr>
+              <a:picLocks noChangeAspect="1"/>
+            </p:cNvPicPr>
+            <p:nvPr>
+              <p:extLst>
+                <p:ext uri="{386F3935-93C4-4BCD-93E2-E3B085C9AB24}">
+                  <p16:designElem xmlns:p16="http://schemas.microsoft.com/office/powerpoint/2015/main" val="1"/>
+                </p:ext>
+              </p:extLst>
+            </p:nvPr>
+          </p:nvPicPr>
+          <p:blipFill>
+            <a:blip r:embed="rId2">
+              <a:alphaModFix amt="10000"/>
+              <a:extLst>
+                <a:ext uri="{28A0092B-C50C-407E-A947-70E740481C1C}">
+                  <a14:useLocalDpi xmlns:a14="http://schemas.microsoft.com/office/drawing/2010/main" val="0"/>
+                </a:ext>
+              </a:extLst>
+            </a:blip>
+            <a:stretch>
+              <a:fillRect/>
+            </a:stretch>
+          </p:blipFill>
+          <p:spPr>
+            <a:xfrm>
+              <a:off x="-3176" y="0"/>
+              <a:ext cx="12192000" cy="6858000"/>
+            </a:xfrm>
+            <a:prstGeom prst="rect">
+              <a:avLst/>
+            </a:prstGeom>
+          </p:spPr>
+        </p:pic>
+      </p:grpSp>
+      <p:pic>
+        <p:nvPicPr>
+          <p:cNvPr id="5" name="Picture 4" descr="Graphiques sur un écran avec le reflet du bureau">
+            <a:extLst>
+              <a:ext uri="{FF2B5EF4-FFF2-40B4-BE49-F238E27FC236}">
+                <a16:creationId xmlns:a16="http://schemas.microsoft.com/office/drawing/2014/main" id="{1B52E09D-68DE-9627-7C33-4E4F8F127FAF}"/>
+              </a:ext>
+            </a:extLst>
+          </p:cNvPr>
+          <p:cNvPicPr>
+            <a:picLocks noChangeAspect="1"/>
+          </p:cNvPicPr>
+          <p:nvPr/>
+        </p:nvPicPr>
+        <p:blipFill rotWithShape="1">
+          <a:blip r:embed="rId3"/>
+          <a:srcRect l="20022" r="34795"/>
+          <a:stretch/>
+        </p:blipFill>
+        <p:spPr>
+          <a:xfrm>
+            <a:off x="7547810" y="10"/>
+            <a:ext cx="4641013" cy="6856310"/>
+          </a:xfrm>
+          <a:prstGeom prst="rect">
+            <a:avLst/>
+          </a:prstGeom>
+          <a:ln>
+            <a:noFill/>
+          </a:ln>
+          <a:effectLst/>
+        </p:spPr>
+      </p:pic>
+      <p:sp>
+        <p:nvSpPr>
+          <p:cNvPr id="13" name="Rectangle 12">
+            <a:extLst>
+              <a:ext uri="{FF2B5EF4-FFF2-40B4-BE49-F238E27FC236}">
+                <a16:creationId xmlns:a16="http://schemas.microsoft.com/office/drawing/2014/main" id="{C493E730-2044-49B5-A022-B8D6F359343E}"/>
+              </a:ext>
+              <a:ext uri="{C183D7F6-B498-43B3-948B-1728B52AA6E4}">
+                <adec:decorative xmlns:adec="http://schemas.microsoft.com/office/drawing/2017/decorative" val="1"/>
+              </a:ext>
+            </a:extLst>
+          </p:cNvPr>
+          <p:cNvSpPr>
+            <a:spLocks noGrp="1" noRot="1" noChangeAspect="1" noMove="1" noResize="1" noEditPoints="1" noAdjustHandles="1" noChangeArrowheads="1" noChangeShapeType="1" noTextEdit="1"/>
+          </p:cNvSpPr>
+          <p:nvPr>
+            <p:extLst>
+              <p:ext uri="{386F3935-93C4-4BCD-93E2-E3B085C9AB24}">
+                <p16:designElem xmlns:p16="http://schemas.microsoft.com/office/powerpoint/2015/main" val="1"/>
+              </p:ext>
+            </p:extLst>
+          </p:nvPr>
+        </p:nvSpPr>
+        <p:spPr bwMode="grayWhite">
+          <a:xfrm>
+            <a:off x="2" y="609600"/>
+            <a:ext cx="7967048" cy="1368198"/>
+          </a:xfrm>
+          <a:prstGeom prst="rect">
+            <a:avLst/>
+          </a:prstGeom>
+          <a:solidFill>
+            <a:schemeClr val="bg1">
+              <a:lumMod val="85000"/>
+              <a:lumOff val="15000"/>
+            </a:schemeClr>
+          </a:solidFill>
+          <a:ln>
+            <a:noFill/>
+          </a:ln>
+        </p:spPr>
+        <p:style>
+          <a:lnRef idx="2">
+            <a:schemeClr val="accent1">
+              <a:shade val="50000"/>
+            </a:schemeClr>
+          </a:lnRef>
+          <a:fillRef idx="1">
+            <a:schemeClr val="accent1"/>
+          </a:fillRef>
+          <a:effectRef idx="0">
+            <a:schemeClr val="accent1"/>
+          </a:effectRef>
+          <a:fontRef idx="minor">
+            <a:schemeClr val="lt1"/>
+          </a:fontRef>
+        </p:style>
+        <p:txBody>
+          <a:bodyPr/>
+          <a:lstStyle/>
+          <a:p>
+            <a:endParaRPr lang="en-BE"/>
+          </a:p>
+        </p:txBody>
+      </p:sp>
       <p:sp>
         <p:nvSpPr>
           <p:cNvPr id="2" name="Title 1">
             <a:extLst>
               <a:ext uri="{FF2B5EF4-FFF2-40B4-BE49-F238E27FC236}">
-                <a16:creationId xmlns:a16="http://schemas.microsoft.com/office/drawing/2014/main" id="{CE66AFB0-F97B-BB34-923F-47A4775E83E6}"/>
+                <a16:creationId xmlns:a16="http://schemas.microsoft.com/office/drawing/2014/main" id="{AF619F00-1D2C-3C24-F19D-8F0258690D4A}"/>
               </a:ext>
             </a:extLst>
           </p:cNvPr>
@@ -7766,24 +8044,76 @@
             <p:ph type="title"/>
           </p:nvPr>
         </p:nvSpPr>
-        <p:spPr/>
-        <p:txBody>
-          <a:bodyPr/>
+        <p:spPr>
+          <a:xfrm>
+            <a:off x="680321" y="753228"/>
+            <a:ext cx="7087552" cy="1080938"/>
+          </a:xfrm>
+        </p:spPr>
+        <p:txBody>
+          <a:bodyPr>
+            <a:normAutofit/>
+          </a:bodyPr>
           <a:lstStyle/>
           <a:p>
             <a:r>
               <a:rPr lang="en-BE" dirty="0"/>
-              <a:t>Numerical Example </a:t>
+              <a:t>Data set : Presentation </a:t>
             </a:r>
           </a:p>
         </p:txBody>
       </p:sp>
       <p:pic>
         <p:nvPicPr>
-          <p:cNvPr id="4" name="Content Placeholder 3">
+          <p:cNvPr id="15" name="Picture 14">
             <a:extLst>
               <a:ext uri="{FF2B5EF4-FFF2-40B4-BE49-F238E27FC236}">
-                <a16:creationId xmlns:a16="http://schemas.microsoft.com/office/drawing/2014/main" id="{756B4B64-F79D-0FC2-50C6-EE2B699E934C}"/>
+                <a16:creationId xmlns:a16="http://schemas.microsoft.com/office/drawing/2014/main" id="{78976801-4346-4636-BA62-265C81DFE7C4}"/>
+              </a:ext>
+              <a:ext uri="{C183D7F6-B498-43B3-948B-1728B52AA6E4}">
+                <adec:decorative xmlns:adec="http://schemas.microsoft.com/office/drawing/2017/decorative" val="1"/>
+              </a:ext>
+            </a:extLst>
+          </p:cNvPr>
+          <p:cNvPicPr>
+            <a:picLocks noGrp="1" noRot="1" noChangeAspect="1" noMove="1" noResize="1" noEditPoints="1" noAdjustHandles="1" noChangeArrowheads="1" noChangeShapeType="1" noCrop="1"/>
+          </p:cNvPicPr>
+          <p:nvPr>
+            <p:extLst>
+              <p:ext uri="{386F3935-93C4-4BCD-93E2-E3B085C9AB24}">
+                <p16:designElem xmlns:p16="http://schemas.microsoft.com/office/powerpoint/2015/main" val="1"/>
+              </p:ext>
+            </p:extLst>
+          </p:nvPr>
+        </p:nvPicPr>
+        <p:blipFill>
+          <a:blip r:embed="rId4">
+            <a:extLst>
+              <a:ext uri="{28A0092B-C50C-407E-A947-70E740481C1C}">
+                <a14:useLocalDpi xmlns:a14="http://schemas.microsoft.com/office/drawing/2010/main" val="0"/>
+              </a:ext>
+            </a:extLst>
+          </a:blip>
+          <a:stretch>
+            <a:fillRect/>
+          </a:stretch>
+        </p:blipFill>
+        <p:spPr>
+          <a:xfrm>
+            <a:off x="2" y="1970240"/>
+            <a:ext cx="7967048" cy="321164"/>
+          </a:xfrm>
+          <a:prstGeom prst="rect">
+            <a:avLst/>
+          </a:prstGeom>
+        </p:spPr>
+      </p:pic>
+      <p:pic>
+        <p:nvPicPr>
+          <p:cNvPr id="12" name="Content Placeholder 11" descr="A screenshot of a computer&#10;&#10;Description automatically generated">
+            <a:extLst>
+              <a:ext uri="{FF2B5EF4-FFF2-40B4-BE49-F238E27FC236}">
+                <a16:creationId xmlns:a16="http://schemas.microsoft.com/office/drawing/2014/main" id="{FDEDA0A7-05A3-488A-BE77-CBEDFB14C8E2}"/>
               </a:ext>
             </a:extLst>
           </p:cNvPr>
@@ -7795,25 +8125,22 @@
           </p:nvPr>
         </p:nvPicPr>
         <p:blipFill>
-          <a:blip r:embed="rId2"/>
+          <a:blip r:embed="rId5"/>
           <a:stretch>
             <a:fillRect/>
           </a:stretch>
         </p:blipFill>
         <p:spPr>
           <a:xfrm>
-            <a:off x="2115077" y="1619492"/>
-            <a:ext cx="7051226" cy="4947149"/>
-          </a:xfrm>
-          <a:prstGeom prst="rect">
-            <a:avLst/>
-          </a:prstGeom>
+            <a:off x="293166" y="2978132"/>
+            <a:ext cx="6961478" cy="2276983"/>
+          </a:xfrm>
         </p:spPr>
       </p:pic>
     </p:spTree>
     <p:extLst>
       <p:ext uri="{BB962C8B-B14F-4D97-AF65-F5344CB8AC3E}">
-        <p14:creationId xmlns:p14="http://schemas.microsoft.com/office/powerpoint/2010/main" val="1141717159"/>
+        <p14:creationId xmlns:p14="http://schemas.microsoft.com/office/powerpoint/2010/main" val="2861405304"/>
       </p:ext>
     </p:extLst>
   </p:cSld>
@@ -7845,6 +8172,747 @@
           <p:cNvPr id="2" name="Title 1">
             <a:extLst>
               <a:ext uri="{FF2B5EF4-FFF2-40B4-BE49-F238E27FC236}">
+                <a16:creationId xmlns:a16="http://schemas.microsoft.com/office/drawing/2014/main" id="{CE66AFB0-F97B-BB34-923F-47A4775E83E6}"/>
+              </a:ext>
+            </a:extLst>
+          </p:cNvPr>
+          <p:cNvSpPr>
+            <a:spLocks noGrp="1"/>
+          </p:cNvSpPr>
+          <p:nvPr>
+            <p:ph type="title"/>
+          </p:nvPr>
+        </p:nvSpPr>
+        <p:spPr/>
+        <p:txBody>
+          <a:bodyPr/>
+          <a:lstStyle/>
+          <a:p>
+            <a:r>
+              <a:rPr lang="en-BE" dirty="0"/>
+              <a:t>Numerical Example </a:t>
+            </a:r>
+          </a:p>
+        </p:txBody>
+      </p:sp>
+      <p:sp>
+        <p:nvSpPr>
+          <p:cNvPr id="3" name="Content Placeholder 2">
+            <a:extLst>
+              <a:ext uri="{FF2B5EF4-FFF2-40B4-BE49-F238E27FC236}">
+                <a16:creationId xmlns:a16="http://schemas.microsoft.com/office/drawing/2014/main" id="{C57E6ECE-1D9E-EE18-FD00-9C36BE5A9D0C}"/>
+              </a:ext>
+            </a:extLst>
+          </p:cNvPr>
+          <p:cNvSpPr>
+            <a:spLocks noGrp="1"/>
+          </p:cNvSpPr>
+          <p:nvPr>
+            <p:ph idx="1"/>
+          </p:nvPr>
+        </p:nvSpPr>
+        <p:spPr/>
+        <p:txBody>
+          <a:bodyPr/>
+          <a:lstStyle/>
+          <a:p>
+            <a:endParaRPr lang="en-BE"/>
+          </a:p>
+        </p:txBody>
+      </p:sp>
+      <p:pic>
+        <p:nvPicPr>
+          <p:cNvPr id="4" name="Content Placeholder 4">
+            <a:extLst>
+              <a:ext uri="{FF2B5EF4-FFF2-40B4-BE49-F238E27FC236}">
+                <a16:creationId xmlns:a16="http://schemas.microsoft.com/office/drawing/2014/main" id="{8F50EB2A-AEDA-BD73-46AA-4C153F074882}"/>
+              </a:ext>
+            </a:extLst>
+          </p:cNvPr>
+          <p:cNvPicPr>
+            <a:picLocks noChangeAspect="1"/>
+          </p:cNvPicPr>
+          <p:nvPr/>
+        </p:nvPicPr>
+        <p:blipFill>
+          <a:blip r:embed="rId2"/>
+          <a:stretch>
+            <a:fillRect/>
+          </a:stretch>
+        </p:blipFill>
+        <p:spPr>
+          <a:xfrm>
+            <a:off x="2098540" y="1293697"/>
+            <a:ext cx="5858723" cy="4397220"/>
+          </a:xfrm>
+          <a:prstGeom prst="rect">
+            <a:avLst/>
+          </a:prstGeom>
+        </p:spPr>
+      </p:pic>
+    </p:spTree>
+    <p:extLst>
+      <p:ext uri="{BB962C8B-B14F-4D97-AF65-F5344CB8AC3E}">
+        <p14:creationId xmlns:p14="http://schemas.microsoft.com/office/powerpoint/2010/main" val="57361115"/>
+      </p:ext>
+    </p:extLst>
+  </p:cSld>
+  <p:clrMapOvr>
+    <a:masterClrMapping/>
+  </p:clrMapOvr>
+</p:sld>
+</file>
+
+<file path=ppt/slides/slide12.xml><?xml version="1.0" encoding="utf-8"?>
+<p:sld xmlns:a="http://schemas.openxmlformats.org/drawingml/2006/main" xmlns:r="http://schemas.openxmlformats.org/officeDocument/2006/relationships" xmlns:p="http://schemas.openxmlformats.org/presentationml/2006/main">
+  <p:cSld>
+    <p:spTree>
+      <p:nvGrpSpPr>
+        <p:cNvPr id="1" name=""/>
+        <p:cNvGrpSpPr/>
+        <p:nvPr/>
+      </p:nvGrpSpPr>
+      <p:grpSpPr>
+        <a:xfrm>
+          <a:off x="0" y="0"/>
+          <a:ext cx="0" cy="0"/>
+          <a:chOff x="0" y="0"/>
+          <a:chExt cx="0" cy="0"/>
+        </a:xfrm>
+      </p:grpSpPr>
+      <p:sp>
+        <p:nvSpPr>
+          <p:cNvPr id="2" name="Title 1">
+            <a:extLst>
+              <a:ext uri="{FF2B5EF4-FFF2-40B4-BE49-F238E27FC236}">
+                <a16:creationId xmlns:a16="http://schemas.microsoft.com/office/drawing/2014/main" id="{E4255D55-647F-69C8-1EEB-7EE3DAEE4031}"/>
+              </a:ext>
+            </a:extLst>
+          </p:cNvPr>
+          <p:cNvSpPr>
+            <a:spLocks noGrp="1"/>
+          </p:cNvSpPr>
+          <p:nvPr>
+            <p:ph type="title"/>
+          </p:nvPr>
+        </p:nvSpPr>
+        <p:spPr/>
+        <p:txBody>
+          <a:bodyPr/>
+          <a:lstStyle/>
+          <a:p>
+            <a:r>
+              <a:rPr lang="en-BE" dirty="0"/>
+              <a:t>Numerical Example </a:t>
+            </a:r>
+          </a:p>
+        </p:txBody>
+      </p:sp>
+      <p:pic>
+        <p:nvPicPr>
+          <p:cNvPr id="4" name="Content Placeholder 3">
+            <a:extLst>
+              <a:ext uri="{FF2B5EF4-FFF2-40B4-BE49-F238E27FC236}">
+                <a16:creationId xmlns:a16="http://schemas.microsoft.com/office/drawing/2014/main" id="{B9B5A494-B61B-1AD2-7B87-6E0DB802771B}"/>
+              </a:ext>
+            </a:extLst>
+          </p:cNvPr>
+          <p:cNvPicPr>
+            <a:picLocks noGrp="1" noChangeAspect="1"/>
+          </p:cNvPicPr>
+          <p:nvPr>
+            <p:ph idx="1"/>
+          </p:nvPr>
+        </p:nvPicPr>
+        <p:blipFill>
+          <a:blip r:embed="rId2"/>
+          <a:stretch>
+            <a:fillRect/>
+          </a:stretch>
+        </p:blipFill>
+        <p:spPr>
+          <a:xfrm>
+            <a:off x="2366477" y="1738556"/>
+            <a:ext cx="6241548" cy="4684547"/>
+          </a:xfrm>
+          <a:prstGeom prst="rect">
+            <a:avLst/>
+          </a:prstGeom>
+        </p:spPr>
+      </p:pic>
+    </p:spTree>
+    <p:extLst>
+      <p:ext uri="{BB962C8B-B14F-4D97-AF65-F5344CB8AC3E}">
+        <p14:creationId xmlns:p14="http://schemas.microsoft.com/office/powerpoint/2010/main" val="3341652730"/>
+      </p:ext>
+    </p:extLst>
+  </p:cSld>
+  <p:clrMapOvr>
+    <a:masterClrMapping/>
+  </p:clrMapOvr>
+</p:sld>
+</file>
+
+<file path=ppt/slides/slide13.xml><?xml version="1.0" encoding="utf-8"?>
+<p:sld xmlns:a="http://schemas.openxmlformats.org/drawingml/2006/main" xmlns:r="http://schemas.openxmlformats.org/officeDocument/2006/relationships" xmlns:p="http://schemas.openxmlformats.org/presentationml/2006/main">
+  <p:cSld>
+    <p:spTree>
+      <p:nvGrpSpPr>
+        <p:cNvPr id="1" name=""/>
+        <p:cNvGrpSpPr/>
+        <p:nvPr/>
+      </p:nvGrpSpPr>
+      <p:grpSpPr>
+        <a:xfrm>
+          <a:off x="0" y="0"/>
+          <a:ext cx="0" cy="0"/>
+          <a:chOff x="0" y="0"/>
+          <a:chExt cx="0" cy="0"/>
+        </a:xfrm>
+      </p:grpSpPr>
+      <p:sp>
+        <p:nvSpPr>
+          <p:cNvPr id="2" name="Title 1">
+            <a:extLst>
+              <a:ext uri="{FF2B5EF4-FFF2-40B4-BE49-F238E27FC236}">
+                <a16:creationId xmlns:a16="http://schemas.microsoft.com/office/drawing/2014/main" id="{CE66AFB0-F97B-BB34-923F-47A4775E83E6}"/>
+              </a:ext>
+            </a:extLst>
+          </p:cNvPr>
+          <p:cNvSpPr>
+            <a:spLocks noGrp="1"/>
+          </p:cNvSpPr>
+          <p:nvPr>
+            <p:ph type="title"/>
+          </p:nvPr>
+        </p:nvSpPr>
+        <p:spPr/>
+        <p:txBody>
+          <a:bodyPr/>
+          <a:lstStyle/>
+          <a:p>
+            <a:r>
+              <a:rPr lang="en-BE" dirty="0"/>
+              <a:t>Numerical Example </a:t>
+            </a:r>
+          </a:p>
+        </p:txBody>
+      </p:sp>
+      <p:pic>
+        <p:nvPicPr>
+          <p:cNvPr id="4" name="Content Placeholder 3">
+            <a:extLst>
+              <a:ext uri="{FF2B5EF4-FFF2-40B4-BE49-F238E27FC236}">
+                <a16:creationId xmlns:a16="http://schemas.microsoft.com/office/drawing/2014/main" id="{756B4B64-F79D-0FC2-50C6-EE2B699E934C}"/>
+              </a:ext>
+            </a:extLst>
+          </p:cNvPr>
+          <p:cNvPicPr>
+            <a:picLocks noGrp="1" noChangeAspect="1"/>
+          </p:cNvPicPr>
+          <p:nvPr>
+            <p:ph idx="1"/>
+          </p:nvPr>
+        </p:nvPicPr>
+        <p:blipFill>
+          <a:blip r:embed="rId2"/>
+          <a:stretch>
+            <a:fillRect/>
+          </a:stretch>
+        </p:blipFill>
+        <p:spPr>
+          <a:xfrm>
+            <a:off x="2115077" y="1619492"/>
+            <a:ext cx="7051226" cy="4947149"/>
+          </a:xfrm>
+          <a:prstGeom prst="rect">
+            <a:avLst/>
+          </a:prstGeom>
+        </p:spPr>
+      </p:pic>
+    </p:spTree>
+    <p:extLst>
+      <p:ext uri="{BB962C8B-B14F-4D97-AF65-F5344CB8AC3E}">
+        <p14:creationId xmlns:p14="http://schemas.microsoft.com/office/powerpoint/2010/main" val="1141717159"/>
+      </p:ext>
+    </p:extLst>
+  </p:cSld>
+  <p:clrMapOvr>
+    <a:masterClrMapping/>
+  </p:clrMapOvr>
+</p:sld>
+</file>
+
+<file path=ppt/slides/slide14.xml><?xml version="1.0" encoding="utf-8"?>
+<p:sld xmlns:a="http://schemas.openxmlformats.org/drawingml/2006/main" xmlns:r="http://schemas.openxmlformats.org/officeDocument/2006/relationships" xmlns:p="http://schemas.openxmlformats.org/presentationml/2006/main">
+  <p:cSld>
+    <p:bg>
+      <p:bgPr>
+        <a:gradFill rotWithShape="1">
+          <a:gsLst>
+            <a:gs pos="0">
+              <a:schemeClr val="bg2">
+                <a:tint val="96000"/>
+                <a:shade val="100000"/>
+                <a:hueMod val="270000"/>
+                <a:satMod val="200000"/>
+                <a:lumMod val="128000"/>
+              </a:schemeClr>
+            </a:gs>
+            <a:gs pos="50000">
+              <a:schemeClr val="bg2">
+                <a:shade val="100000"/>
+                <a:hueMod val="100000"/>
+                <a:satMod val="110000"/>
+                <a:lumMod val="130000"/>
+              </a:schemeClr>
+            </a:gs>
+            <a:gs pos="100000">
+              <a:schemeClr val="bg2">
+                <a:shade val="78000"/>
+                <a:hueMod val="44000"/>
+                <a:satMod val="200000"/>
+                <a:lumMod val="69000"/>
+              </a:schemeClr>
+            </a:gs>
+          </a:gsLst>
+          <a:lin ang="2520000" scaled="0"/>
+        </a:gradFill>
+        <a:effectLst/>
+      </p:bgPr>
+    </p:bg>
+    <p:spTree>
+      <p:nvGrpSpPr>
+        <p:cNvPr id="1" name=""/>
+        <p:cNvGrpSpPr/>
+        <p:nvPr/>
+      </p:nvGrpSpPr>
+      <p:grpSpPr>
+        <a:xfrm>
+          <a:off x="0" y="0"/>
+          <a:ext cx="0" cy="0"/>
+          <a:chOff x="0" y="0"/>
+          <a:chExt cx="0" cy="0"/>
+        </a:xfrm>
+      </p:grpSpPr>
+      <p:sp useBgFill="1">
+        <p:nvSpPr>
+          <p:cNvPr id="12" name="Rectangle 11">
+            <a:extLst>
+              <a:ext uri="{FF2B5EF4-FFF2-40B4-BE49-F238E27FC236}">
+                <a16:creationId xmlns:a16="http://schemas.microsoft.com/office/drawing/2014/main" id="{F4979F40-3A44-4CCB-9EB7-F8318BCE576B}"/>
+              </a:ext>
+              <a:ext uri="{C183D7F6-B498-43B3-948B-1728B52AA6E4}">
+                <adec:decorative xmlns:adec="http://schemas.microsoft.com/office/drawing/2017/decorative" val="1"/>
+              </a:ext>
+            </a:extLst>
+          </p:cNvPr>
+          <p:cNvSpPr>
+            <a:spLocks noGrp="1" noRot="1" noChangeAspect="1" noMove="1" noResize="1" noEditPoints="1" noAdjustHandles="1" noChangeArrowheads="1" noChangeShapeType="1" noTextEdit="1"/>
+          </p:cNvSpPr>
+          <p:nvPr>
+            <p:extLst>
+              <p:ext uri="{386F3935-93C4-4BCD-93E2-E3B085C9AB24}">
+                <p16:designElem xmlns:p16="http://schemas.microsoft.com/office/powerpoint/2015/main" val="1"/>
+              </p:ext>
+            </p:extLst>
+          </p:nvPr>
+        </p:nvSpPr>
+        <p:spPr>
+          <a:xfrm>
+            <a:off x="0" y="-1"/>
+            <a:ext cx="12188824" cy="6858001"/>
+          </a:xfrm>
+          <a:prstGeom prst="rect">
+            <a:avLst/>
+          </a:prstGeom>
+          <a:ln>
+            <a:noFill/>
+          </a:ln>
+        </p:spPr>
+        <p:style>
+          <a:lnRef idx="2">
+            <a:schemeClr val="accent1">
+              <a:shade val="50000"/>
+            </a:schemeClr>
+          </a:lnRef>
+          <a:fillRef idx="1">
+            <a:schemeClr val="accent1"/>
+          </a:fillRef>
+          <a:effectRef idx="0">
+            <a:schemeClr val="accent1"/>
+          </a:effectRef>
+          <a:fontRef idx="minor">
+            <a:schemeClr val="lt1"/>
+          </a:fontRef>
+        </p:style>
+        <p:txBody>
+          <a:bodyPr rtlCol="0" anchor="ctr"/>
+          <a:lstStyle/>
+          <a:p>
+            <a:pPr algn="ctr"/>
+            <a:endParaRPr lang="en-US"/>
+          </a:p>
+        </p:txBody>
+      </p:sp>
+      <p:pic>
+        <p:nvPicPr>
+          <p:cNvPr id="14" name="Picture 13">
+            <a:extLst>
+              <a:ext uri="{FF2B5EF4-FFF2-40B4-BE49-F238E27FC236}">
+                <a16:creationId xmlns:a16="http://schemas.microsoft.com/office/drawing/2014/main" id="{15291D39-6B03-4BB5-BFC6-CBF11E90BFD6}"/>
+              </a:ext>
+              <a:ext uri="{C183D7F6-B498-43B3-948B-1728B52AA6E4}">
+                <adec:decorative xmlns:adec="http://schemas.microsoft.com/office/drawing/2017/decorative" val="1"/>
+              </a:ext>
+            </a:extLst>
+          </p:cNvPr>
+          <p:cNvPicPr>
+            <a:picLocks noGrp="1" noRot="1" noChangeAspect="1" noMove="1" noResize="1" noEditPoints="1" noAdjustHandles="1" noChangeArrowheads="1" noChangeShapeType="1" noCrop="1"/>
+          </p:cNvPicPr>
+          <p:nvPr>
+            <p:extLst>
+              <p:ext uri="{386F3935-93C4-4BCD-93E2-E3B085C9AB24}">
+                <p16:designElem xmlns:p16="http://schemas.microsoft.com/office/powerpoint/2015/main" val="1"/>
+              </p:ext>
+            </p:extLst>
+          </p:nvPr>
+        </p:nvPicPr>
+        <p:blipFill>
+          <a:blip r:embed="rId2">
+            <a:alphaModFix amt="10000"/>
+            <a:extLst>
+              <a:ext uri="{28A0092B-C50C-407E-A947-70E740481C1C}">
+                <a14:useLocalDpi xmlns:a14="http://schemas.microsoft.com/office/drawing/2010/main" val="0"/>
+              </a:ext>
+            </a:extLst>
+          </a:blip>
+          <a:stretch>
+            <a:fillRect/>
+          </a:stretch>
+        </p:blipFill>
+        <p:spPr>
+          <a:xfrm>
+            <a:off x="-3176" y="0"/>
+            <a:ext cx="12192000" cy="6858000"/>
+          </a:xfrm>
+          <a:prstGeom prst="rect">
+            <a:avLst/>
+          </a:prstGeom>
+        </p:spPr>
+      </p:pic>
+      <p:sp>
+        <p:nvSpPr>
+          <p:cNvPr id="16" name="Rectangle 15">
+            <a:extLst>
+              <a:ext uri="{FF2B5EF4-FFF2-40B4-BE49-F238E27FC236}">
+                <a16:creationId xmlns:a16="http://schemas.microsoft.com/office/drawing/2014/main" id="{AFD071FA-0514-4371-9568-86216A1F4658}"/>
+              </a:ext>
+              <a:ext uri="{C183D7F6-B498-43B3-948B-1728B52AA6E4}">
+                <adec:decorative xmlns:adec="http://schemas.microsoft.com/office/drawing/2017/decorative" val="1"/>
+              </a:ext>
+            </a:extLst>
+          </p:cNvPr>
+          <p:cNvSpPr>
+            <a:spLocks noGrp="1" noRot="1" noChangeAspect="1" noMove="1" noResize="1" noEditPoints="1" noAdjustHandles="1" noChangeArrowheads="1" noChangeShapeType="1" noTextEdit="1"/>
+          </p:cNvSpPr>
+          <p:nvPr>
+            <p:extLst>
+              <p:ext uri="{386F3935-93C4-4BCD-93E2-E3B085C9AB24}">
+                <p16:designElem xmlns:p16="http://schemas.microsoft.com/office/powerpoint/2015/main" val="1"/>
+              </p:ext>
+            </p:extLst>
+          </p:nvPr>
+        </p:nvSpPr>
+        <p:spPr>
+          <a:xfrm>
+            <a:off x="4639056" y="0"/>
+            <a:ext cx="7552944" cy="6858001"/>
+          </a:xfrm>
+          <a:prstGeom prst="rect">
+            <a:avLst/>
+          </a:prstGeom>
+          <a:ln>
+            <a:noFill/>
+          </a:ln>
+        </p:spPr>
+        <p:style>
+          <a:lnRef idx="2">
+            <a:schemeClr val="accent1">
+              <a:shade val="50000"/>
+            </a:schemeClr>
+          </a:lnRef>
+          <a:fillRef idx="1">
+            <a:schemeClr val="accent1"/>
+          </a:fillRef>
+          <a:effectRef idx="0">
+            <a:schemeClr val="accent1"/>
+          </a:effectRef>
+          <a:fontRef idx="minor">
+            <a:schemeClr val="lt1"/>
+          </a:fontRef>
+        </p:style>
+        <p:txBody>
+          <a:bodyPr rtlCol="0" anchor="ctr"/>
+          <a:lstStyle/>
+          <a:p>
+            <a:pPr algn="ctr"/>
+            <a:endParaRPr lang="en-US"/>
+          </a:p>
+        </p:txBody>
+      </p:sp>
+      <p:sp>
+        <p:nvSpPr>
+          <p:cNvPr id="18" name="Rectangle 17">
+            <a:extLst>
+              <a:ext uri="{FF2B5EF4-FFF2-40B4-BE49-F238E27FC236}">
+                <a16:creationId xmlns:a16="http://schemas.microsoft.com/office/drawing/2014/main" id="{5211DDA4-E7B5-4325-A844-B7F59B084BA7}"/>
+              </a:ext>
+              <a:ext uri="{C183D7F6-B498-43B3-948B-1728B52AA6E4}">
+                <adec:decorative xmlns:adec="http://schemas.microsoft.com/office/drawing/2017/decorative" val="1"/>
+              </a:ext>
+            </a:extLst>
+          </p:cNvPr>
+          <p:cNvSpPr>
+            <a:spLocks noGrp="1" noRot="1" noChangeAspect="1" noMove="1" noResize="1" noEditPoints="1" noAdjustHandles="1" noChangeArrowheads="1" noChangeShapeType="1" noTextEdit="1"/>
+          </p:cNvSpPr>
+          <p:nvPr>
+            <p:extLst>
+              <p:ext uri="{386F3935-93C4-4BCD-93E2-E3B085C9AB24}">
+                <p16:designElem xmlns:p16="http://schemas.microsoft.com/office/powerpoint/2015/main" val="1"/>
+              </p:ext>
+            </p:extLst>
+          </p:nvPr>
+        </p:nvSpPr>
+        <p:spPr bwMode="grayWhite">
+          <a:xfrm>
+            <a:off x="2" y="609600"/>
+            <a:ext cx="4959094" cy="1368198"/>
+          </a:xfrm>
+          <a:prstGeom prst="rect">
+            <a:avLst/>
+          </a:prstGeom>
+          <a:solidFill>
+            <a:schemeClr val="bg1">
+              <a:lumMod val="85000"/>
+              <a:lumOff val="15000"/>
+            </a:schemeClr>
+          </a:solidFill>
+          <a:ln>
+            <a:noFill/>
+          </a:ln>
+        </p:spPr>
+        <p:style>
+          <a:lnRef idx="2">
+            <a:schemeClr val="accent1">
+              <a:shade val="50000"/>
+            </a:schemeClr>
+          </a:lnRef>
+          <a:fillRef idx="1">
+            <a:schemeClr val="accent1"/>
+          </a:fillRef>
+          <a:effectRef idx="0">
+            <a:schemeClr val="accent1"/>
+          </a:effectRef>
+          <a:fontRef idx="minor">
+            <a:schemeClr val="lt1"/>
+          </a:fontRef>
+        </p:style>
+        <p:txBody>
+          <a:bodyPr/>
+          <a:lstStyle/>
+          <a:p>
+            <a:endParaRPr lang="en-BE"/>
+          </a:p>
+        </p:txBody>
+      </p:sp>
+      <p:sp>
+        <p:nvSpPr>
+          <p:cNvPr id="2" name="Title 1">
+            <a:extLst>
+              <a:ext uri="{FF2B5EF4-FFF2-40B4-BE49-F238E27FC236}">
+                <a16:creationId xmlns:a16="http://schemas.microsoft.com/office/drawing/2014/main" id="{44B5EC0A-F8F5-8884-AA71-79314AE041AA}"/>
+              </a:ext>
+            </a:extLst>
+          </p:cNvPr>
+          <p:cNvSpPr>
+            <a:spLocks noGrp="1"/>
+          </p:cNvSpPr>
+          <p:nvPr>
+            <p:ph type="title"/>
+          </p:nvPr>
+        </p:nvSpPr>
+        <p:spPr>
+          <a:xfrm>
+            <a:off x="680321" y="753228"/>
+            <a:ext cx="4136123" cy="1080938"/>
+          </a:xfrm>
+        </p:spPr>
+        <p:txBody>
+          <a:bodyPr>
+            <a:normAutofit/>
+          </a:bodyPr>
+          <a:lstStyle/>
+          <a:p>
+            <a:r>
+              <a:rPr lang="en-BE" sz="2400" dirty="0"/>
+              <a:t>Classifier : Performance</a:t>
+            </a:r>
+          </a:p>
+        </p:txBody>
+      </p:sp>
+      <p:pic>
+        <p:nvPicPr>
+          <p:cNvPr id="20" name="Picture 19">
+            <a:extLst>
+              <a:ext uri="{FF2B5EF4-FFF2-40B4-BE49-F238E27FC236}">
+                <a16:creationId xmlns:a16="http://schemas.microsoft.com/office/drawing/2014/main" id="{0D58E222-6309-4F79-AC20-9D3C69CD9B16}"/>
+              </a:ext>
+              <a:ext uri="{C183D7F6-B498-43B3-948B-1728B52AA6E4}">
+                <adec:decorative xmlns:adec="http://schemas.microsoft.com/office/drawing/2017/decorative" val="1"/>
+              </a:ext>
+            </a:extLst>
+          </p:cNvPr>
+          <p:cNvPicPr>
+            <a:picLocks noGrp="1" noRot="1" noChangeAspect="1" noMove="1" noResize="1" noEditPoints="1" noAdjustHandles="1" noChangeArrowheads="1" noChangeShapeType="1" noCrop="1"/>
+          </p:cNvPicPr>
+          <p:nvPr>
+            <p:extLst>
+              <p:ext uri="{386F3935-93C4-4BCD-93E2-E3B085C9AB24}">
+                <p16:designElem xmlns:p16="http://schemas.microsoft.com/office/powerpoint/2015/main" val="1"/>
+              </p:ext>
+            </p:extLst>
+          </p:nvPr>
+        </p:nvPicPr>
+        <p:blipFill>
+          <a:blip r:embed="rId3">
+            <a:extLst>
+              <a:ext uri="{28A0092B-C50C-407E-A947-70E740481C1C}">
+                <a14:useLocalDpi xmlns:a14="http://schemas.microsoft.com/office/drawing/2010/main" val="0"/>
+              </a:ext>
+            </a:extLst>
+          </a:blip>
+          <a:stretch>
+            <a:fillRect/>
+          </a:stretch>
+        </p:blipFill>
+        <p:spPr>
+          <a:xfrm>
+            <a:off x="2" y="1970241"/>
+            <a:ext cx="4956048" cy="199787"/>
+          </a:xfrm>
+          <a:prstGeom prst="rect">
+            <a:avLst/>
+          </a:prstGeom>
+        </p:spPr>
+      </p:pic>
+      <p:sp>
+        <p:nvSpPr>
+          <p:cNvPr id="9" name="Content Placeholder 8">
+            <a:extLst>
+              <a:ext uri="{FF2B5EF4-FFF2-40B4-BE49-F238E27FC236}">
+                <a16:creationId xmlns:a16="http://schemas.microsoft.com/office/drawing/2014/main" id="{62C78A98-3F67-6E99-023A-796D821BC874}"/>
+              </a:ext>
+            </a:extLst>
+          </p:cNvPr>
+          <p:cNvSpPr>
+            <a:spLocks noGrp="1"/>
+          </p:cNvSpPr>
+          <p:nvPr>
+            <p:ph idx="1"/>
+          </p:nvPr>
+        </p:nvSpPr>
+        <p:spPr>
+          <a:xfrm>
+            <a:off x="680321" y="2336873"/>
+            <a:ext cx="3656289" cy="3599316"/>
+          </a:xfrm>
+        </p:spPr>
+        <p:txBody>
+          <a:bodyPr>
+            <a:normAutofit/>
+          </a:bodyPr>
+          <a:lstStyle/>
+          <a:p>
+            <a:endParaRPr lang="en-US" sz="1400"/>
+          </a:p>
+        </p:txBody>
+      </p:sp>
+      <p:pic>
+        <p:nvPicPr>
+          <p:cNvPr id="5" name="Content Placeholder 4">
+            <a:extLst>
+              <a:ext uri="{FF2B5EF4-FFF2-40B4-BE49-F238E27FC236}">
+                <a16:creationId xmlns:a16="http://schemas.microsoft.com/office/drawing/2014/main" id="{509EDC5D-75D5-B70A-1B8B-CEBFB9880936}"/>
+              </a:ext>
+            </a:extLst>
+          </p:cNvPr>
+          <p:cNvPicPr>
+            <a:picLocks noChangeAspect="1"/>
+          </p:cNvPicPr>
+          <p:nvPr/>
+        </p:nvPicPr>
+        <p:blipFill>
+          <a:blip r:embed="rId4"/>
+          <a:stretch>
+            <a:fillRect/>
+          </a:stretch>
+        </p:blipFill>
+        <p:spPr>
+          <a:xfrm>
+            <a:off x="5276090" y="1548156"/>
+            <a:ext cx="6269479" cy="3761687"/>
+          </a:xfrm>
+          <a:prstGeom prst="rect">
+            <a:avLst/>
+          </a:prstGeom>
+          <a:ln>
+            <a:noFill/>
+          </a:ln>
+          <a:effectLst>
+            <a:outerShdw blurRad="76200" dist="63500" dir="5040000" algn="tl" rotWithShape="0">
+              <a:srgbClr val="000000">
+                <a:alpha val="41000"/>
+              </a:srgbClr>
+            </a:outerShdw>
+          </a:effectLst>
+        </p:spPr>
+      </p:pic>
+    </p:spTree>
+    <p:extLst>
+      <p:ext uri="{BB962C8B-B14F-4D97-AF65-F5344CB8AC3E}">
+        <p14:creationId xmlns:p14="http://schemas.microsoft.com/office/powerpoint/2010/main" val="3969260868"/>
+      </p:ext>
+    </p:extLst>
+  </p:cSld>
+  <p:clrMapOvr>
+    <a:masterClrMapping/>
+  </p:clrMapOvr>
+</p:sld>
+</file>
+
+<file path=ppt/slides/slide15.xml><?xml version="1.0" encoding="utf-8"?>
+<p:sld xmlns:a="http://schemas.openxmlformats.org/drawingml/2006/main" xmlns:r="http://schemas.openxmlformats.org/officeDocument/2006/relationships" xmlns:p="http://schemas.openxmlformats.org/presentationml/2006/main">
+  <p:cSld>
+    <p:spTree>
+      <p:nvGrpSpPr>
+        <p:cNvPr id="1" name=""/>
+        <p:cNvGrpSpPr/>
+        <p:nvPr/>
+      </p:nvGrpSpPr>
+      <p:grpSpPr>
+        <a:xfrm>
+          <a:off x="0" y="0"/>
+          <a:ext cx="0" cy="0"/>
+          <a:chOff x="0" y="0"/>
+          <a:chExt cx="0" cy="0"/>
+        </a:xfrm>
+      </p:grpSpPr>
+      <p:sp>
+        <p:nvSpPr>
+          <p:cNvPr id="2" name="Title 1">
+            <a:extLst>
+              <a:ext uri="{FF2B5EF4-FFF2-40B4-BE49-F238E27FC236}">
                 <a16:creationId xmlns:a16="http://schemas.microsoft.com/office/drawing/2014/main" id="{089D781C-D8B7-742E-D0A9-CACD79652BBA}"/>
               </a:ext>
             </a:extLst>
@@ -7910,7 +8978,7 @@
 </p:sld>
 </file>
 
-<file path=ppt/slides/slide12.xml><?xml version="1.0" encoding="utf-8"?>
+<file path=ppt/slides/slide16.xml><?xml version="1.0" encoding="utf-8"?>
 <p:sld xmlns:a="http://schemas.openxmlformats.org/drawingml/2006/main" xmlns:r="http://schemas.openxmlformats.org/officeDocument/2006/relationships" xmlns:p="http://schemas.openxmlformats.org/presentationml/2006/main">
   <p:cSld>
     <p:spTree>
@@ -8079,6 +9147,41 @@
 <file path=ppt/slides/slide3.xml><?xml version="1.0" encoding="utf-8"?>
 <p:sld xmlns:a="http://schemas.openxmlformats.org/drawingml/2006/main" xmlns:r="http://schemas.openxmlformats.org/officeDocument/2006/relationships" xmlns:p="http://schemas.openxmlformats.org/presentationml/2006/main">
   <p:cSld>
+    <p:bg>
+      <p:bgPr>
+        <a:gradFill rotWithShape="1">
+          <a:gsLst>
+            <a:gs pos="0">
+              <a:schemeClr val="bg2">
+                <a:tint val="96000"/>
+                <a:shade val="100000"/>
+                <a:hueMod val="270000"/>
+                <a:satMod val="200000"/>
+                <a:lumMod val="128000"/>
+              </a:schemeClr>
+            </a:gs>
+            <a:gs pos="50000">
+              <a:schemeClr val="bg2">
+                <a:shade val="100000"/>
+                <a:hueMod val="100000"/>
+                <a:satMod val="110000"/>
+                <a:lumMod val="130000"/>
+              </a:schemeClr>
+            </a:gs>
+            <a:gs pos="100000">
+              <a:schemeClr val="bg2">
+                <a:shade val="78000"/>
+                <a:hueMod val="44000"/>
+                <a:satMod val="200000"/>
+                <a:lumMod val="69000"/>
+              </a:schemeClr>
+            </a:gs>
+          </a:gsLst>
+          <a:lin ang="2520000" scaled="0"/>
+        </a:gradFill>
+        <a:effectLst/>
+      </p:bgPr>
+    </p:bg>
     <p:spTree>
       <p:nvGrpSpPr>
         <p:cNvPr id="1" name=""/>
@@ -8093,73 +9196,731 @@
           <a:chExt cx="0" cy="0"/>
         </a:xfrm>
       </p:grpSpPr>
-      <p:sp>
-        <p:nvSpPr>
-          <p:cNvPr id="2" name="Title 1">
+      <p:pic>
+        <p:nvPicPr>
+          <p:cNvPr id="17" name="Picture 16">
             <a:extLst>
               <a:ext uri="{FF2B5EF4-FFF2-40B4-BE49-F238E27FC236}">
-                <a16:creationId xmlns:a16="http://schemas.microsoft.com/office/drawing/2014/main" id="{62A6A6B4-014B-4E75-87A4-3CCEFD25F67F}"/>
-              </a:ext>
-            </a:extLst>
-          </p:cNvPr>
-          <p:cNvSpPr>
-            <a:spLocks noGrp="1"/>
-          </p:cNvSpPr>
-          <p:nvPr>
-            <p:ph type="title"/>
-          </p:nvPr>
-        </p:nvSpPr>
-        <p:spPr/>
-        <p:txBody>
-          <a:bodyPr/>
-          <a:lstStyle/>
-          <a:p>
-            <a:r>
-              <a:rPr lang="en-BE" dirty="0"/>
-              <a:t>Linear Algebra </a:t>
-            </a:r>
-          </a:p>
-        </p:txBody>
-      </p:sp>
-      <p:pic>
-        <p:nvPicPr>
-          <p:cNvPr id="5" name="Content Placeholder 4">
-            <a:extLst>
-              <a:ext uri="{FF2B5EF4-FFF2-40B4-BE49-F238E27FC236}">
-                <a16:creationId xmlns:a16="http://schemas.microsoft.com/office/drawing/2014/main" id="{E5F2483E-7314-D0A8-9D57-CD7C790CFE1C}"/>
+                <a16:creationId xmlns:a16="http://schemas.microsoft.com/office/drawing/2014/main" id="{AC3E6C53-102E-4ACA-BCBB-3CC973B99486}"/>
+              </a:ext>
+              <a:ext uri="{C183D7F6-B498-43B3-948B-1728B52AA6E4}">
+                <adec:decorative xmlns:adec="http://schemas.microsoft.com/office/drawing/2017/decorative" val="1"/>
               </a:ext>
             </a:extLst>
           </p:cNvPr>
           <p:cNvPicPr>
-            <a:picLocks noGrp="1" noChangeAspect="1"/>
+            <a:picLocks noGrp="1" noRot="1" noChangeAspect="1" noMove="1" noResize="1" noEditPoints="1" noAdjustHandles="1" noChangeArrowheads="1" noChangeShapeType="1" noCrop="1"/>
           </p:cNvPicPr>
           <p:nvPr>
-            <p:ph idx="1"/>
+            <p:extLst>
+              <p:ext uri="{386F3935-93C4-4BCD-93E2-E3B085C9AB24}">
+                <p16:designElem xmlns:p16="http://schemas.microsoft.com/office/powerpoint/2015/main" val="1"/>
+              </p:ext>
+            </p:extLst>
           </p:nvPr>
         </p:nvPicPr>
         <p:blipFill>
-          <a:blip r:embed="rId2"/>
+          <a:blip r:embed="rId2">
+            <a:alphaModFix amt="10000"/>
+            <a:extLst>
+              <a:ext uri="{28A0092B-C50C-407E-A947-70E740481C1C}">
+                <a14:useLocalDpi xmlns:a14="http://schemas.microsoft.com/office/drawing/2010/main" val="0"/>
+              </a:ext>
+            </a:extLst>
+          </a:blip>
           <a:stretch>
             <a:fillRect/>
           </a:stretch>
         </p:blipFill>
         <p:spPr>
           <a:xfrm>
-            <a:off x="974192" y="1728952"/>
-            <a:ext cx="9719827" cy="4859914"/>
-          </a:xfrm>
+            <a:off x="0" y="0"/>
+            <a:ext cx="12192000" cy="6858000"/>
+          </a:xfrm>
+          <a:prstGeom prst="rect">
+            <a:avLst/>
+          </a:prstGeom>
         </p:spPr>
       </p:pic>
+      <p:pic>
+        <p:nvPicPr>
+          <p:cNvPr id="19" name="Picture 18">
+            <a:extLst>
+              <a:ext uri="{FF2B5EF4-FFF2-40B4-BE49-F238E27FC236}">
+                <a16:creationId xmlns:a16="http://schemas.microsoft.com/office/drawing/2014/main" id="{17B2B42C-0777-4D6E-9432-535281803A88}"/>
+              </a:ext>
+              <a:ext uri="{C183D7F6-B498-43B3-948B-1728B52AA6E4}">
+                <adec:decorative xmlns:adec="http://schemas.microsoft.com/office/drawing/2017/decorative" val="1"/>
+              </a:ext>
+            </a:extLst>
+          </p:cNvPr>
+          <p:cNvPicPr>
+            <a:picLocks noGrp="1" noRot="1" noChangeAspect="1" noMove="1" noResize="1" noEditPoints="1" noAdjustHandles="1" noChangeArrowheads="1" noChangeShapeType="1" noCrop="1"/>
+          </p:cNvPicPr>
+          <p:nvPr>
+            <p:extLst>
+              <p:ext uri="{386F3935-93C4-4BCD-93E2-E3B085C9AB24}">
+                <p16:designElem xmlns:p16="http://schemas.microsoft.com/office/powerpoint/2015/main" val="1"/>
+              </p:ext>
+            </p:extLst>
+          </p:nvPr>
+        </p:nvPicPr>
+        <p:blipFill>
+          <a:blip r:embed="rId3">
+            <a:extLst>
+              <a:ext uri="{28A0092B-C50C-407E-A947-70E740481C1C}">
+                <a14:useLocalDpi xmlns:a14="http://schemas.microsoft.com/office/drawing/2010/main" val="0"/>
+              </a:ext>
+            </a:extLst>
+          </a:blip>
+          <a:stretch>
+            <a:fillRect/>
+          </a:stretch>
+        </p:blipFill>
+        <p:spPr>
+          <a:xfrm>
+            <a:off x="1" y="4242851"/>
+            <a:ext cx="8968084" cy="275942"/>
+          </a:xfrm>
+          <a:prstGeom prst="rect">
+            <a:avLst/>
+          </a:prstGeom>
+        </p:spPr>
+      </p:pic>
+      <p:pic>
+        <p:nvPicPr>
+          <p:cNvPr id="21" name="Picture 20">
+            <a:extLst>
+              <a:ext uri="{FF2B5EF4-FFF2-40B4-BE49-F238E27FC236}">
+                <a16:creationId xmlns:a16="http://schemas.microsoft.com/office/drawing/2014/main" id="{EFEAAB60-93E2-4DC6-99AC-939637BCE864}"/>
+              </a:ext>
+              <a:ext uri="{C183D7F6-B498-43B3-948B-1728B52AA6E4}">
+                <adec:decorative xmlns:adec="http://schemas.microsoft.com/office/drawing/2017/decorative" val="1"/>
+              </a:ext>
+            </a:extLst>
+          </p:cNvPr>
+          <p:cNvPicPr>
+            <a:picLocks noGrp="1" noRot="1" noChangeAspect="1" noMove="1" noResize="1" noEditPoints="1" noAdjustHandles="1" noChangeArrowheads="1" noChangeShapeType="1" noCrop="1"/>
+          </p:cNvPicPr>
+          <p:nvPr>
+            <p:extLst>
+              <p:ext uri="{386F3935-93C4-4BCD-93E2-E3B085C9AB24}">
+                <p16:designElem xmlns:p16="http://schemas.microsoft.com/office/powerpoint/2015/main" val="1"/>
+              </p:ext>
+            </p:extLst>
+          </p:nvPr>
+        </p:nvPicPr>
+        <p:blipFill>
+          <a:blip r:embed="rId4">
+            <a:extLst>
+              <a:ext uri="{28A0092B-C50C-407E-A947-70E740481C1C}">
+                <a14:useLocalDpi xmlns:a14="http://schemas.microsoft.com/office/drawing/2010/main" val="0"/>
+              </a:ext>
+            </a:extLst>
+          </a:blip>
+          <a:stretch>
+            <a:fillRect/>
+          </a:stretch>
+        </p:blipFill>
+        <p:spPr>
+          <a:xfrm>
+            <a:off x="9111716" y="4243845"/>
+            <a:ext cx="3077108" cy="276940"/>
+          </a:xfrm>
+          <a:prstGeom prst="rect">
+            <a:avLst/>
+          </a:prstGeom>
+        </p:spPr>
+      </p:pic>
+      <p:sp>
+        <p:nvSpPr>
+          <p:cNvPr id="23" name="Rectangle 22">
+            <a:extLst>
+              <a:ext uri="{FF2B5EF4-FFF2-40B4-BE49-F238E27FC236}">
+                <a16:creationId xmlns:a16="http://schemas.microsoft.com/office/drawing/2014/main" id="{7EF5ECB8-D49C-48FB-A93E-88EB2FFDFD42}"/>
+              </a:ext>
+              <a:ext uri="{C183D7F6-B498-43B3-948B-1728B52AA6E4}">
+                <adec:decorative xmlns:adec="http://schemas.microsoft.com/office/drawing/2017/decorative" val="1"/>
+              </a:ext>
+            </a:extLst>
+          </p:cNvPr>
+          <p:cNvSpPr>
+            <a:spLocks noGrp="1" noRot="1" noChangeAspect="1" noMove="1" noResize="1" noEditPoints="1" noAdjustHandles="1" noChangeArrowheads="1" noChangeShapeType="1" noTextEdit="1"/>
+          </p:cNvSpPr>
+          <p:nvPr>
+            <p:extLst>
+              <p:ext uri="{386F3935-93C4-4BCD-93E2-E3B085C9AB24}">
+                <p16:designElem xmlns:p16="http://schemas.microsoft.com/office/powerpoint/2015/main" val="1"/>
+              </p:ext>
+            </p:extLst>
+          </p:nvPr>
+        </p:nvSpPr>
+        <p:spPr bwMode="ltGray">
+          <a:xfrm>
+            <a:off x="0" y="2590078"/>
+            <a:ext cx="8968085" cy="1660332"/>
+          </a:xfrm>
+          <a:prstGeom prst="rect">
+            <a:avLst/>
+          </a:prstGeom>
+          <a:solidFill>
+            <a:schemeClr val="bg1">
+              <a:lumMod val="85000"/>
+              <a:lumOff val="15000"/>
+            </a:schemeClr>
+          </a:solidFill>
+          <a:ln>
+            <a:noFill/>
+          </a:ln>
+        </p:spPr>
+        <p:style>
+          <a:lnRef idx="2">
+            <a:schemeClr val="accent1">
+              <a:shade val="50000"/>
+            </a:schemeClr>
+          </a:lnRef>
+          <a:fillRef idx="1">
+            <a:schemeClr val="accent1"/>
+          </a:fillRef>
+          <a:effectRef idx="0">
+            <a:schemeClr val="accent1"/>
+          </a:effectRef>
+          <a:fontRef idx="minor">
+            <a:schemeClr val="lt1"/>
+          </a:fontRef>
+        </p:style>
+        <p:txBody>
+          <a:bodyPr/>
+          <a:lstStyle/>
+          <a:p>
+            <a:endParaRPr lang="en-BE"/>
+          </a:p>
+        </p:txBody>
+      </p:sp>
+      <p:sp>
+        <p:nvSpPr>
+          <p:cNvPr id="25" name="Rectangle 24">
+            <a:extLst>
+              <a:ext uri="{FF2B5EF4-FFF2-40B4-BE49-F238E27FC236}">
+                <a16:creationId xmlns:a16="http://schemas.microsoft.com/office/drawing/2014/main" id="{411B77A2-BD5C-432D-B52E-C12612C74C17}"/>
+              </a:ext>
+              <a:ext uri="{C183D7F6-B498-43B3-948B-1728B52AA6E4}">
+                <adec:decorative xmlns:adec="http://schemas.microsoft.com/office/drawing/2017/decorative" val="1"/>
+              </a:ext>
+            </a:extLst>
+          </p:cNvPr>
+          <p:cNvSpPr>
+            <a:spLocks noGrp="1" noRot="1" noChangeAspect="1" noMove="1" noResize="1" noEditPoints="1" noAdjustHandles="1" noChangeArrowheads="1" noChangeShapeType="1" noTextEdit="1"/>
+          </p:cNvSpPr>
+          <p:nvPr>
+            <p:extLst>
+              <p:ext uri="{386F3935-93C4-4BCD-93E2-E3B085C9AB24}">
+                <p16:designElem xmlns:p16="http://schemas.microsoft.com/office/powerpoint/2015/main" val="1"/>
+              </p:ext>
+            </p:extLst>
+          </p:nvPr>
+        </p:nvSpPr>
+        <p:spPr>
+          <a:xfrm>
+            <a:off x="9111715" y="2590078"/>
+            <a:ext cx="3077109" cy="1660332"/>
+          </a:xfrm>
+          <a:prstGeom prst="rect">
+            <a:avLst/>
+          </a:prstGeom>
+          <a:solidFill>
+            <a:schemeClr val="accent1"/>
+          </a:solidFill>
+          <a:ln>
+            <a:noFill/>
+          </a:ln>
+        </p:spPr>
+        <p:style>
+          <a:lnRef idx="2">
+            <a:schemeClr val="accent1">
+              <a:shade val="50000"/>
+            </a:schemeClr>
+          </a:lnRef>
+          <a:fillRef idx="1">
+            <a:schemeClr val="accent1"/>
+          </a:fillRef>
+          <a:effectRef idx="0">
+            <a:schemeClr val="accent1"/>
+          </a:effectRef>
+          <a:fontRef idx="minor">
+            <a:schemeClr val="lt1"/>
+          </a:fontRef>
+        </p:style>
+        <p:txBody>
+          <a:bodyPr/>
+          <a:lstStyle/>
+          <a:p>
+            <a:endParaRPr lang="en-BE"/>
+          </a:p>
+        </p:txBody>
+      </p:sp>
+      <p:sp useBgFill="1">
+        <p:nvSpPr>
+          <p:cNvPr id="27" name="Rectangle 26">
+            <a:extLst>
+              <a:ext uri="{FF2B5EF4-FFF2-40B4-BE49-F238E27FC236}">
+                <a16:creationId xmlns:a16="http://schemas.microsoft.com/office/drawing/2014/main" id="{87C031CB-DEB3-405F-9996-5322C24A6A93}"/>
+              </a:ext>
+              <a:ext uri="{C183D7F6-B498-43B3-948B-1728B52AA6E4}">
+                <adec:decorative xmlns:adec="http://schemas.microsoft.com/office/drawing/2017/decorative" val="1"/>
+              </a:ext>
+            </a:extLst>
+          </p:cNvPr>
+          <p:cNvSpPr>
+            <a:spLocks noGrp="1" noRot="1" noChangeAspect="1" noMove="1" noResize="1" noEditPoints="1" noAdjustHandles="1" noChangeArrowheads="1" noChangeShapeType="1" noTextEdit="1"/>
+          </p:cNvSpPr>
+          <p:nvPr>
+            <p:extLst>
+              <p:ext uri="{386F3935-93C4-4BCD-93E2-E3B085C9AB24}">
+                <p16:designElem xmlns:p16="http://schemas.microsoft.com/office/powerpoint/2015/main" val="1"/>
+              </p:ext>
+            </p:extLst>
+          </p:nvPr>
+        </p:nvSpPr>
+        <p:spPr>
+          <a:xfrm>
+            <a:off x="0" y="0"/>
+            <a:ext cx="12192000" cy="6858000"/>
+          </a:xfrm>
+          <a:prstGeom prst="rect">
+            <a:avLst/>
+          </a:prstGeom>
+          <a:ln>
+            <a:noFill/>
+          </a:ln>
+        </p:spPr>
+        <p:style>
+          <a:lnRef idx="2">
+            <a:schemeClr val="accent1">
+              <a:shade val="50000"/>
+            </a:schemeClr>
+          </a:lnRef>
+          <a:fillRef idx="1">
+            <a:schemeClr val="accent1"/>
+          </a:fillRef>
+          <a:effectRef idx="0">
+            <a:schemeClr val="accent1"/>
+          </a:effectRef>
+          <a:fontRef idx="minor">
+            <a:schemeClr val="lt1"/>
+          </a:fontRef>
+        </p:style>
+        <p:txBody>
+          <a:bodyPr rtlCol="0" anchor="ctr"/>
+          <a:lstStyle/>
+          <a:p>
+            <a:pPr algn="ctr"/>
+            <a:endParaRPr lang="en-US"/>
+          </a:p>
+        </p:txBody>
+      </p:sp>
+      <p:pic>
+        <p:nvPicPr>
+          <p:cNvPr id="29" name="Picture 28">
+            <a:extLst>
+              <a:ext uri="{FF2B5EF4-FFF2-40B4-BE49-F238E27FC236}">
+                <a16:creationId xmlns:a16="http://schemas.microsoft.com/office/drawing/2014/main" id="{92031F0E-C3FA-4DAF-BD13-4AC665CFF0FC}"/>
+              </a:ext>
+              <a:ext uri="{C183D7F6-B498-43B3-948B-1728B52AA6E4}">
+                <adec:decorative xmlns:adec="http://schemas.microsoft.com/office/drawing/2017/decorative" val="1"/>
+              </a:ext>
+            </a:extLst>
+          </p:cNvPr>
+          <p:cNvPicPr>
+            <a:picLocks noGrp="1" noRot="1" noChangeAspect="1" noMove="1" noResize="1" noEditPoints="1" noAdjustHandles="1" noChangeArrowheads="1" noChangeShapeType="1" noCrop="1"/>
+          </p:cNvPicPr>
+          <p:nvPr>
+            <p:extLst>
+              <p:ext uri="{386F3935-93C4-4BCD-93E2-E3B085C9AB24}">
+                <p16:designElem xmlns:p16="http://schemas.microsoft.com/office/powerpoint/2015/main" val="1"/>
+              </p:ext>
+            </p:extLst>
+          </p:nvPr>
+        </p:nvPicPr>
+        <p:blipFill>
+          <a:blip r:embed="rId2">
+            <a:alphaModFix amt="10000"/>
+            <a:extLst>
+              <a:ext uri="{28A0092B-C50C-407E-A947-70E740481C1C}">
+                <a14:useLocalDpi xmlns:a14="http://schemas.microsoft.com/office/drawing/2010/main" val="0"/>
+              </a:ext>
+            </a:extLst>
+          </a:blip>
+          <a:stretch>
+            <a:fillRect/>
+          </a:stretch>
+        </p:blipFill>
+        <p:spPr>
+          <a:xfrm>
+            <a:off x="0" y="0"/>
+            <a:ext cx="12192000" cy="6858000"/>
+          </a:xfrm>
+          <a:prstGeom prst="rect">
+            <a:avLst/>
+          </a:prstGeom>
+        </p:spPr>
+      </p:pic>
+      <p:pic>
+        <p:nvPicPr>
+          <p:cNvPr id="31" name="Picture 30">
+            <a:extLst>
+              <a:ext uri="{FF2B5EF4-FFF2-40B4-BE49-F238E27FC236}">
+                <a16:creationId xmlns:a16="http://schemas.microsoft.com/office/drawing/2014/main" id="{BE685C68-BF28-4330-A4FE-33ABD88511AA}"/>
+              </a:ext>
+              <a:ext uri="{C183D7F6-B498-43B3-948B-1728B52AA6E4}">
+                <adec:decorative xmlns:adec="http://schemas.microsoft.com/office/drawing/2017/decorative" val="1"/>
+              </a:ext>
+            </a:extLst>
+          </p:cNvPr>
+          <p:cNvPicPr>
+            <a:picLocks noGrp="1" noRot="1" noChangeAspect="1" noMove="1" noResize="1" noEditPoints="1" noAdjustHandles="1" noChangeArrowheads="1" noChangeShapeType="1" noCrop="1"/>
+          </p:cNvPicPr>
+          <p:nvPr>
+            <p:extLst>
+              <p:ext uri="{386F3935-93C4-4BCD-93E2-E3B085C9AB24}">
+                <p16:designElem xmlns:p16="http://schemas.microsoft.com/office/powerpoint/2015/main" val="1"/>
+              </p:ext>
+            </p:extLst>
+          </p:nvPr>
+        </p:nvPicPr>
+        <p:blipFill>
+          <a:blip r:embed="rId3">
+            <a:extLst>
+              <a:ext uri="{28A0092B-C50C-407E-A947-70E740481C1C}">
+                <a14:useLocalDpi xmlns:a14="http://schemas.microsoft.com/office/drawing/2010/main" val="0"/>
+              </a:ext>
+            </a:extLst>
+          </a:blip>
+          <a:stretch>
+            <a:fillRect/>
+          </a:stretch>
+        </p:blipFill>
+        <p:spPr>
+          <a:xfrm>
+            <a:off x="0" y="5349629"/>
+            <a:ext cx="11525954" cy="275942"/>
+          </a:xfrm>
+          <a:prstGeom prst="rect">
+            <a:avLst/>
+          </a:prstGeom>
+        </p:spPr>
+      </p:pic>
+      <p:sp>
+        <p:nvSpPr>
+          <p:cNvPr id="33" name="Rectangle 32">
+            <a:extLst>
+              <a:ext uri="{FF2B5EF4-FFF2-40B4-BE49-F238E27FC236}">
+                <a16:creationId xmlns:a16="http://schemas.microsoft.com/office/drawing/2014/main" id="{273350E1-40B5-47D9-8DDD-3C2A17B4B6D9}"/>
+              </a:ext>
+              <a:ext uri="{C183D7F6-B498-43B3-948B-1728B52AA6E4}">
+                <adec:decorative xmlns:adec="http://schemas.microsoft.com/office/drawing/2017/decorative" val="1"/>
+              </a:ext>
+            </a:extLst>
+          </p:cNvPr>
+          <p:cNvSpPr>
+            <a:spLocks noGrp="1" noRot="1" noChangeAspect="1" noMove="1" noResize="1" noEditPoints="1" noAdjustHandles="1" noChangeArrowheads="1" noChangeShapeType="1" noTextEdit="1"/>
+          </p:cNvSpPr>
+          <p:nvPr>
+            <p:extLst>
+              <p:ext uri="{386F3935-93C4-4BCD-93E2-E3B085C9AB24}">
+                <p16:designElem xmlns:p16="http://schemas.microsoft.com/office/powerpoint/2015/main" val="1"/>
+              </p:ext>
+            </p:extLst>
+          </p:nvPr>
+        </p:nvSpPr>
+        <p:spPr bwMode="ltGray">
+          <a:xfrm>
+            <a:off x="1" y="0"/>
+            <a:ext cx="11525954" cy="5379499"/>
+          </a:xfrm>
+          <a:prstGeom prst="rect">
+            <a:avLst/>
+          </a:prstGeom>
+          <a:solidFill>
+            <a:srgbClr val="262626"/>
+          </a:solidFill>
+          <a:ln>
+            <a:noFill/>
+          </a:ln>
+        </p:spPr>
+        <p:style>
+          <a:lnRef idx="2">
+            <a:schemeClr val="accent1">
+              <a:shade val="50000"/>
+            </a:schemeClr>
+          </a:lnRef>
+          <a:fillRef idx="1">
+            <a:schemeClr val="accent1"/>
+          </a:fillRef>
+          <a:effectRef idx="0">
+            <a:schemeClr val="accent1"/>
+          </a:effectRef>
+          <a:fontRef idx="minor">
+            <a:schemeClr val="lt1"/>
+          </a:fontRef>
+        </p:style>
+        <p:txBody>
+          <a:bodyPr/>
+          <a:lstStyle/>
+          <a:p>
+            <a:endParaRPr lang="en-US"/>
+          </a:p>
+        </p:txBody>
+      </p:sp>
+      <p:sp>
+        <p:nvSpPr>
+          <p:cNvPr id="2" name="Title 1">
+            <a:extLst>
+              <a:ext uri="{FF2B5EF4-FFF2-40B4-BE49-F238E27FC236}">
+                <a16:creationId xmlns:a16="http://schemas.microsoft.com/office/drawing/2014/main" id="{F62BDBE3-70C6-A055-C725-6E9C2EF78BC3}"/>
+              </a:ext>
+            </a:extLst>
+          </p:cNvPr>
+          <p:cNvSpPr>
+            <a:spLocks noGrp="1"/>
+          </p:cNvSpPr>
+          <p:nvPr>
+            <p:ph type="title"/>
+          </p:nvPr>
+        </p:nvSpPr>
+        <p:spPr>
+          <a:xfrm>
+            <a:off x="4063113" y="1997765"/>
+            <a:ext cx="5872891" cy="2696635"/>
+          </a:xfrm>
+        </p:spPr>
+        <p:txBody>
+          <a:bodyPr vert="horz" lIns="91440" tIns="45720" rIns="91440" bIns="45720" rtlCol="0" anchor="b">
+            <a:normAutofit/>
+          </a:bodyPr>
+          <a:lstStyle/>
+          <a:p>
+            <a:pPr algn="r"/>
+            <a:r>
+              <a:rPr lang="en-US" sz="6000">
+                <a:solidFill>
+                  <a:srgbClr val="FFFFFF"/>
+                </a:solidFill>
+              </a:rPr>
+              <a:t>LINK WITH LINEAR ALGEBRA</a:t>
+            </a:r>
+          </a:p>
+        </p:txBody>
+      </p:sp>
+      <p:pic>
+        <p:nvPicPr>
+          <p:cNvPr id="35" name="Picture 34">
+            <a:extLst>
+              <a:ext uri="{FF2B5EF4-FFF2-40B4-BE49-F238E27FC236}">
+                <a16:creationId xmlns:a16="http://schemas.microsoft.com/office/drawing/2014/main" id="{A1500D0A-0DCA-4E06-8B25-618E6299CC9A}"/>
+              </a:ext>
+              <a:ext uri="{C183D7F6-B498-43B3-948B-1728B52AA6E4}">
+                <adec:decorative xmlns:adec="http://schemas.microsoft.com/office/drawing/2017/decorative" val="1"/>
+              </a:ext>
+            </a:extLst>
+          </p:cNvPr>
+          <p:cNvPicPr>
+            <a:picLocks noGrp="1" noRot="1" noChangeAspect="1" noMove="1" noResize="1" noEditPoints="1" noAdjustHandles="1" noChangeArrowheads="1" noChangeShapeType="1" noCrop="1"/>
+          </p:cNvPicPr>
+          <p:nvPr>
+            <p:extLst>
+              <p:ext uri="{386F3935-93C4-4BCD-93E2-E3B085C9AB24}">
+                <p16:designElem xmlns:p16="http://schemas.microsoft.com/office/powerpoint/2015/main" val="1"/>
+              </p:ext>
+            </p:extLst>
+          </p:nvPr>
+        </p:nvPicPr>
+        <p:blipFill>
+          <a:blip r:embed="rId4" cstate="print">
+            <a:extLst>
+              <a:ext uri="{28A0092B-C50C-407E-A947-70E740481C1C}">
+                <a14:useLocalDpi xmlns:a14="http://schemas.microsoft.com/office/drawing/2010/main" val="0"/>
+              </a:ext>
+            </a:extLst>
+          </a:blip>
+          <a:stretch>
+            <a:fillRect/>
+          </a:stretch>
+        </p:blipFill>
+        <p:spPr>
+          <a:xfrm>
+            <a:off x="10585826" y="4686838"/>
+            <a:ext cx="1602997" cy="144270"/>
+          </a:xfrm>
+          <a:prstGeom prst="rect">
+            <a:avLst/>
+          </a:prstGeom>
+        </p:spPr>
+      </p:pic>
+      <p:sp>
+        <p:nvSpPr>
+          <p:cNvPr id="37" name="Rectangle 36">
+            <a:extLst>
+              <a:ext uri="{FF2B5EF4-FFF2-40B4-BE49-F238E27FC236}">
+                <a16:creationId xmlns:a16="http://schemas.microsoft.com/office/drawing/2014/main" id="{108AC4DC-69B5-4DD1-84BC-850C5A286185}"/>
+              </a:ext>
+              <a:ext uri="{C183D7F6-B498-43B3-948B-1728B52AA6E4}">
+                <adec:decorative xmlns:adec="http://schemas.microsoft.com/office/drawing/2017/decorative" val="1"/>
+              </a:ext>
+            </a:extLst>
+          </p:cNvPr>
+          <p:cNvSpPr>
+            <a:spLocks noGrp="1" noRot="1" noChangeAspect="1" noMove="1" noResize="1" noEditPoints="1" noAdjustHandles="1" noChangeArrowheads="1" noChangeShapeType="1" noTextEdit="1"/>
+          </p:cNvSpPr>
+          <p:nvPr>
+            <p:extLst>
+              <p:ext uri="{386F3935-93C4-4BCD-93E2-E3B085C9AB24}">
+                <p16:designElem xmlns:p16="http://schemas.microsoft.com/office/powerpoint/2015/main" val="1"/>
+              </p:ext>
+            </p:extLst>
+          </p:nvPr>
+        </p:nvSpPr>
+        <p:spPr>
+          <a:xfrm>
+            <a:off x="10585827" y="3034068"/>
+            <a:ext cx="1602997" cy="1660332"/>
+          </a:xfrm>
+          <a:prstGeom prst="rect">
+            <a:avLst/>
+          </a:prstGeom>
+          <a:solidFill>
+            <a:schemeClr val="accent1"/>
+          </a:solidFill>
+          <a:ln>
+            <a:noFill/>
+          </a:ln>
+        </p:spPr>
+        <p:style>
+          <a:lnRef idx="2">
+            <a:schemeClr val="accent1">
+              <a:shade val="50000"/>
+            </a:schemeClr>
+          </a:lnRef>
+          <a:fillRef idx="1">
+            <a:schemeClr val="accent1"/>
+          </a:fillRef>
+          <a:effectRef idx="0">
+            <a:schemeClr val="accent1"/>
+          </a:effectRef>
+          <a:fontRef idx="minor">
+            <a:schemeClr val="lt1"/>
+          </a:fontRef>
+        </p:style>
+        <p:txBody>
+          <a:bodyPr/>
+          <a:lstStyle/>
+          <a:p>
+            <a:endParaRPr lang="en-BE"/>
+          </a:p>
+        </p:txBody>
+      </p:sp>
     </p:spTree>
     <p:extLst>
       <p:ext uri="{BB962C8B-B14F-4D97-AF65-F5344CB8AC3E}">
-        <p14:creationId xmlns:p14="http://schemas.microsoft.com/office/powerpoint/2010/main" val="3403911276"/>
+        <p14:creationId xmlns:p14="http://schemas.microsoft.com/office/powerpoint/2010/main" val="650085832"/>
       </p:ext>
     </p:extLst>
   </p:cSld>
   <p:clrMapOvr>
     <a:masterClrMapping/>
   </p:clrMapOvr>
+  <p:timing>
+    <p:tnLst>
+      <p:par>
+        <p:cTn id="1" dur="indefinite" restart="never" nodeType="tmRoot">
+          <p:childTnLst>
+            <p:seq concurrent="1" nextAc="seek">
+              <p:cTn id="2" dur="indefinite" nodeType="mainSeq">
+                <p:childTnLst>
+                  <p:par>
+                    <p:cTn id="3" fill="hold">
+                      <p:stCondLst>
+                        <p:cond delay="indefinite"/>
+                        <p:cond evt="onBegin" delay="0">
+                          <p:tn val="2"/>
+                        </p:cond>
+                      </p:stCondLst>
+                      <p:childTnLst>
+                        <p:par>
+                          <p:cTn id="4" fill="hold">
+                            <p:stCondLst>
+                              <p:cond delay="0"/>
+                            </p:stCondLst>
+                            <p:childTnLst>
+                              <p:par>
+                                <p:cTn id="5" presetID="10" presetClass="entr" presetSubtype="0" fill="hold" grpId="0" nodeType="withEffect">
+                                  <p:stCondLst>
+                                    <p:cond delay="500"/>
+                                  </p:stCondLst>
+                                  <p:iterate type="wd">
+                                    <p:tmPct val="15000"/>
+                                  </p:iterate>
+                                  <p:childTnLst>
+                                    <p:set>
+                                      <p:cBhvr>
+                                        <p:cTn id="6" dur="1" fill="hold">
+                                          <p:stCondLst>
+                                            <p:cond delay="0"/>
+                                          </p:stCondLst>
+                                        </p:cTn>
+                                        <p:tgtEl>
+                                          <p:spTgt spid="2"/>
+                                        </p:tgtEl>
+                                        <p:attrNameLst>
+                                          <p:attrName>style.visibility</p:attrName>
+                                        </p:attrNameLst>
+                                      </p:cBhvr>
+                                      <p:to>
+                                        <p:strVal val="visible"/>
+                                      </p:to>
+                                    </p:set>
+                                    <p:animEffect transition="in" filter="fade">
+                                      <p:cBhvr>
+                                        <p:cTn id="7" dur="1000"/>
+                                        <p:tgtEl>
+                                          <p:spTgt spid="2"/>
+                                        </p:tgtEl>
+                                      </p:cBhvr>
+                                    </p:animEffect>
+                                  </p:childTnLst>
+                                </p:cTn>
+                              </p:par>
+                            </p:childTnLst>
+                          </p:cTn>
+                        </p:par>
+                      </p:childTnLst>
+                    </p:cTn>
+                  </p:par>
+                </p:childTnLst>
+              </p:cTn>
+              <p:prevCondLst>
+                <p:cond evt="onPrev" delay="0">
+                  <p:tgtEl>
+                    <p:sldTgt/>
+                  </p:tgtEl>
+                </p:cond>
+              </p:prevCondLst>
+              <p:nextCondLst>
+                <p:cond evt="onNext" delay="0">
+                  <p:tgtEl>
+                    <p:sldTgt/>
+                  </p:tgtEl>
+                </p:cond>
+              </p:nextCondLst>
+            </p:seq>
+          </p:childTnLst>
+        </p:cTn>
+      </p:par>
+    </p:tnLst>
+    <p:bldLst>
+      <p:bldP spid="2" grpId="0"/>
+    </p:bldLst>
+  </p:timing>
 </p:sld>
 </file>
 
@@ -8185,6 +9946,93 @@
           <p:cNvPr id="2" name="Title 1">
             <a:extLst>
               <a:ext uri="{FF2B5EF4-FFF2-40B4-BE49-F238E27FC236}">
+                <a16:creationId xmlns:a16="http://schemas.microsoft.com/office/drawing/2014/main" id="{62A6A6B4-014B-4E75-87A4-3CCEFD25F67F}"/>
+              </a:ext>
+            </a:extLst>
+          </p:cNvPr>
+          <p:cNvSpPr>
+            <a:spLocks noGrp="1"/>
+          </p:cNvSpPr>
+          <p:nvPr>
+            <p:ph type="title"/>
+          </p:nvPr>
+        </p:nvSpPr>
+        <p:spPr/>
+        <p:txBody>
+          <a:bodyPr/>
+          <a:lstStyle/>
+          <a:p>
+            <a:r>
+              <a:rPr lang="en-BE" dirty="0"/>
+              <a:t>Linear Algebra </a:t>
+            </a:r>
+          </a:p>
+        </p:txBody>
+      </p:sp>
+      <p:pic>
+        <p:nvPicPr>
+          <p:cNvPr id="7" name="Content Placeholder 6">
+            <a:extLst>
+              <a:ext uri="{FF2B5EF4-FFF2-40B4-BE49-F238E27FC236}">
+                <a16:creationId xmlns:a16="http://schemas.microsoft.com/office/drawing/2014/main" id="{E9096F75-67A6-C534-B703-760478684032}"/>
+              </a:ext>
+            </a:extLst>
+          </p:cNvPr>
+          <p:cNvPicPr>
+            <a:picLocks noGrp="1" noChangeAspect="1"/>
+          </p:cNvPicPr>
+          <p:nvPr>
+            <p:ph idx="1"/>
+          </p:nvPr>
+        </p:nvPicPr>
+        <p:blipFill>
+          <a:blip r:embed="rId2"/>
+          <a:stretch>
+            <a:fillRect/>
+          </a:stretch>
+        </p:blipFill>
+        <p:spPr>
+          <a:xfrm>
+            <a:off x="1315438" y="1834166"/>
+            <a:ext cx="8978744" cy="4489372"/>
+          </a:xfrm>
+        </p:spPr>
+      </p:pic>
+    </p:spTree>
+    <p:extLst>
+      <p:ext uri="{BB962C8B-B14F-4D97-AF65-F5344CB8AC3E}">
+        <p14:creationId xmlns:p14="http://schemas.microsoft.com/office/powerpoint/2010/main" val="3403911276"/>
+      </p:ext>
+    </p:extLst>
+  </p:cSld>
+  <p:clrMapOvr>
+    <a:masterClrMapping/>
+  </p:clrMapOvr>
+</p:sld>
+</file>
+
+<file path=ppt/slides/slide5.xml><?xml version="1.0" encoding="utf-8"?>
+<p:sld xmlns:a="http://schemas.openxmlformats.org/drawingml/2006/main" xmlns:r="http://schemas.openxmlformats.org/officeDocument/2006/relationships" xmlns:p="http://schemas.openxmlformats.org/presentationml/2006/main">
+  <p:cSld>
+    <p:spTree>
+      <p:nvGrpSpPr>
+        <p:cNvPr id="1" name=""/>
+        <p:cNvGrpSpPr/>
+        <p:nvPr/>
+      </p:nvGrpSpPr>
+      <p:grpSpPr>
+        <a:xfrm>
+          <a:off x="0" y="0"/>
+          <a:ext cx="0" cy="0"/>
+          <a:chOff x="0" y="0"/>
+          <a:chExt cx="0" cy="0"/>
+        </a:xfrm>
+      </p:grpSpPr>
+      <p:sp>
+        <p:nvSpPr>
+          <p:cNvPr id="2" name="Title 1">
+            <a:extLst>
+              <a:ext uri="{FF2B5EF4-FFF2-40B4-BE49-F238E27FC236}">
                 <a16:creationId xmlns:a16="http://schemas.microsoft.com/office/drawing/2014/main" id="{BB394C43-513C-B858-E765-6452622175E0}"/>
               </a:ext>
             </a:extLst>
@@ -8208,8 +10056,8 @@
           </a:p>
         </p:txBody>
       </p:sp>
-      <mc:AlternateContent xmlns:mc="http://schemas.openxmlformats.org/markup-compatibility/2006">
-        <mc:Choice xmlns:a14="http://schemas.microsoft.com/office/drawing/2010/main" Requires="a14">
+      <mc:AlternateContent xmlns:mc="http://schemas.openxmlformats.org/markup-compatibility/2006" xmlns:a14="http://schemas.microsoft.com/office/drawing/2010/main">
+        <mc:Choice Requires="a14">
           <p:sp>
             <p:nvSpPr>
               <p:cNvPr id="13" name="TextBox 12">
@@ -8238,6 +10086,7 @@
               </a:bodyPr>
               <a:lstStyle/>
               <a:p>
+                <a:pPr/>
                 <a14:m>
                   <m:oMathPara xmlns:m="http://schemas.openxmlformats.org/officeDocument/2006/math">
                     <m:oMathParaPr>
@@ -8345,7 +10194,7 @@
             </p:txBody>
           </p:sp>
         </mc:Choice>
-        <mc:Fallback>
+        <mc:Fallback xmlns="">
           <p:sp>
             <p:nvSpPr>
               <p:cNvPr id="13" name="TextBox 12">
@@ -8403,64 +10252,6 @@
 </p:sld>
 </file>
 
-<file path=ppt/slides/slide5.xml><?xml version="1.0" encoding="utf-8"?>
-<p:sld xmlns:a="http://schemas.openxmlformats.org/drawingml/2006/main" xmlns:r="http://schemas.openxmlformats.org/officeDocument/2006/relationships" xmlns:p="http://schemas.openxmlformats.org/presentationml/2006/main">
-  <p:cSld>
-    <p:spTree>
-      <p:nvGrpSpPr>
-        <p:cNvPr id="1" name=""/>
-        <p:cNvGrpSpPr/>
-        <p:nvPr/>
-      </p:nvGrpSpPr>
-      <p:grpSpPr>
-        <a:xfrm>
-          <a:off x="0" y="0"/>
-          <a:ext cx="0" cy="0"/>
-          <a:chOff x="0" y="0"/>
-          <a:chExt cx="0" cy="0"/>
-        </a:xfrm>
-      </p:grpSpPr>
-      <p:sp>
-        <p:nvSpPr>
-          <p:cNvPr id="2" name="Title 1">
-            <a:extLst>
-              <a:ext uri="{FF2B5EF4-FFF2-40B4-BE49-F238E27FC236}">
-                <a16:creationId xmlns:a16="http://schemas.microsoft.com/office/drawing/2014/main" id="{599057ED-9773-693A-7348-DE5CEC05DD8B}"/>
-              </a:ext>
-            </a:extLst>
-          </p:cNvPr>
-          <p:cNvSpPr>
-            <a:spLocks noGrp="1"/>
-          </p:cNvSpPr>
-          <p:nvPr>
-            <p:ph type="title"/>
-          </p:nvPr>
-        </p:nvSpPr>
-        <p:spPr/>
-        <p:txBody>
-          <a:bodyPr/>
-          <a:lstStyle/>
-          <a:p>
-            <a:r>
-              <a:rPr lang="en-BE" dirty="0"/>
-              <a:t>Linear Algebra : Diagonalisaton</a:t>
-            </a:r>
-          </a:p>
-        </p:txBody>
-      </p:sp>
-    </p:spTree>
-    <p:extLst>
-      <p:ext uri="{BB962C8B-B14F-4D97-AF65-F5344CB8AC3E}">
-        <p14:creationId xmlns:p14="http://schemas.microsoft.com/office/powerpoint/2010/main" val="3843533035"/>
-      </p:ext>
-    </p:extLst>
-  </p:cSld>
-  <p:clrMapOvr>
-    <a:masterClrMapping/>
-  </p:clrMapOvr>
-</p:sld>
-</file>
-
 <file path=ppt/slides/slide6.xml><?xml version="1.0" encoding="utf-8"?>
 <p:sld xmlns:a="http://schemas.openxmlformats.org/drawingml/2006/main" xmlns:r="http://schemas.openxmlformats.org/officeDocument/2006/relationships" xmlns:p="http://schemas.openxmlformats.org/presentationml/2006/main">
   <p:cSld>
@@ -8483,7 +10274,7 @@
           <p:cNvPr id="2" name="Title 1">
             <a:extLst>
               <a:ext uri="{FF2B5EF4-FFF2-40B4-BE49-F238E27FC236}">
-                <a16:creationId xmlns:a16="http://schemas.microsoft.com/office/drawing/2014/main" id="{53B1530D-90A7-81CE-EFF1-DDDDAE5B19A5}"/>
+                <a16:creationId xmlns:a16="http://schemas.microsoft.com/office/drawing/2014/main" id="{599057ED-9773-693A-7348-DE5CEC05DD8B}"/>
               </a:ext>
             </a:extLst>
           </p:cNvPr>
@@ -8501,7 +10292,7 @@
           <a:p>
             <a:r>
               <a:rPr lang="en-BE" dirty="0"/>
-              <a:t>Linear Algebra :  SVD</a:t>
+              <a:t>Linear Algebra : Diagonalisaton</a:t>
             </a:r>
           </a:p>
         </p:txBody>
@@ -8509,7 +10300,7 @@
     </p:spTree>
     <p:extLst>
       <p:ext uri="{BB962C8B-B14F-4D97-AF65-F5344CB8AC3E}">
-        <p14:creationId xmlns:p14="http://schemas.microsoft.com/office/powerpoint/2010/main" val="2272686734"/>
+        <p14:creationId xmlns:p14="http://schemas.microsoft.com/office/powerpoint/2010/main" val="3843533035"/>
       </p:ext>
     </p:extLst>
   </p:cSld>
@@ -8541,7 +10332,7 @@
           <p:cNvPr id="2" name="Title 1">
             <a:extLst>
               <a:ext uri="{FF2B5EF4-FFF2-40B4-BE49-F238E27FC236}">
-                <a16:creationId xmlns:a16="http://schemas.microsoft.com/office/drawing/2014/main" id="{656D4D6A-7C37-9E9C-2CA6-7A70993A8647}"/>
+                <a16:creationId xmlns:a16="http://schemas.microsoft.com/office/drawing/2014/main" id="{53B1530D-90A7-81CE-EFF1-DDDDAE5B19A5}"/>
               </a:ext>
             </a:extLst>
           </p:cNvPr>
@@ -8559,58 +10350,666 @@
           <a:p>
             <a:r>
               <a:rPr lang="en-BE" dirty="0"/>
-              <a:t>Numerical Advantages : SVD</a:t>
+              <a:t>Linear Algebra :  SVD</a:t>
             </a:r>
           </a:p>
         </p:txBody>
       </p:sp>
-      <p:sp>
-        <p:nvSpPr>
-          <p:cNvPr id="11" name="Content Placeholder 10">
-            <a:extLst>
-              <a:ext uri="{FF2B5EF4-FFF2-40B4-BE49-F238E27FC236}">
-                <a16:creationId xmlns:a16="http://schemas.microsoft.com/office/drawing/2014/main" id="{A051E789-19CD-EFFF-B7FC-1527355DCA47}"/>
-              </a:ext>
-            </a:extLst>
-          </p:cNvPr>
-          <p:cNvSpPr>
-            <a:spLocks noGrp="1"/>
-          </p:cNvSpPr>
-          <p:nvPr>
-            <p:ph idx="1"/>
-          </p:nvPr>
-        </p:nvSpPr>
-        <p:spPr/>
-        <p:txBody>
-          <a:bodyPr>
-            <a:normAutofit fontScale="92500" lnSpcReduction="20000"/>
-          </a:bodyPr>
-          <a:lstStyle/>
-          <a:p>
-            <a:r>
-              <a:rPr lang="en-GB" dirty="0"/>
-              <a:t>Firstly, focusing on computational demands and numerical stability, avoiding the computation of X^T X is advantageous. This approach is not only computationally less expensive but also reduces the risk of increases the condition number of the matrix, which could lead to numerical instabilities.</a:t>
-            </a:r>
-          </a:p>
-          <a:p>
-            <a:r>
-              <a:rPr lang="en-GB" dirty="0"/>
-              <a:t>Secondly, nowadays the algorithms to compute the SVD are extremely efficient (and better that the ones for eigenvector). As we might be only interested by the $k$-first Principal Components these algorithms don't require to compute each components and can be stopped at anytime.</a:t>
-            </a:r>
-          </a:p>
-          <a:p>
-            <a:r>
-              <a:rPr lang="en-GB" dirty="0"/>
-              <a:t>Finally, provided that X is sparse (e.g. images) transforming it into XX^T results in dense matrix. Keeping this sparse structure is really important, indeed algorithms can be adapted leading to seemingly more efficient algorithms. </a:t>
-            </a:r>
-            <a:endParaRPr lang="en-BE" dirty="0"/>
-          </a:p>
-        </p:txBody>
-      </p:sp>
+      <mc:AlternateContent xmlns:mc="http://schemas.openxmlformats.org/markup-compatibility/2006">
+        <mc:Choice xmlns:a14="http://schemas.microsoft.com/office/drawing/2010/main" Requires="a14">
+          <p:sp>
+            <p:nvSpPr>
+              <p:cNvPr id="4" name="TextBox 3">
+                <a:extLst>
+                  <a:ext uri="{FF2B5EF4-FFF2-40B4-BE49-F238E27FC236}">
+                    <a16:creationId xmlns:a16="http://schemas.microsoft.com/office/drawing/2014/main" id="{BEE06034-41FD-9D9F-1F6A-FEA051763477}"/>
+                  </a:ext>
+                </a:extLst>
+              </p:cNvPr>
+              <p:cNvSpPr txBox="1"/>
+              <p:nvPr/>
+            </p:nvSpPr>
+            <p:spPr>
+              <a:xfrm>
+                <a:off x="-149996" y="2273806"/>
+                <a:ext cx="6805448" cy="4376006"/>
+              </a:xfrm>
+              <a:prstGeom prst="rect">
+                <a:avLst/>
+              </a:prstGeom>
+              <a:noFill/>
+            </p:spPr>
+            <p:txBody>
+              <a:bodyPr wrap="square" lIns="0" tIns="0" rIns="0" bIns="0" rtlCol="0">
+                <a:spAutoFit/>
+              </a:bodyPr>
+              <a:lstStyle/>
+              <a:p>
+                <a14:m>
+                  <m:oMathPara xmlns:m="http://schemas.openxmlformats.org/officeDocument/2006/math">
+                    <m:oMathParaPr>
+                      <m:jc m:val="centerGroup"/>
+                    </m:oMathParaPr>
+                    <m:oMath xmlns:m="http://schemas.openxmlformats.org/officeDocument/2006/math">
+                      <m:sSub>
+                        <m:sSubPr>
+                          <m:ctrlPr>
+                            <a:rPr lang="en-GB" sz="3200" b="0" i="1" smtClean="0">
+                              <a:latin typeface="Cambria Math" panose="02040503050406030204" pitchFamily="18" charset="0"/>
+                            </a:rPr>
+                          </m:ctrlPr>
+                        </m:sSubPr>
+                        <m:e>
+                          <m:r>
+                            <a:rPr lang="en-GB" sz="3200" b="0" i="1" smtClean="0">
+                              <a:latin typeface="Cambria Math" panose="02040503050406030204" pitchFamily="18" charset="0"/>
+                            </a:rPr>
+                            <m:t>𝐶</m:t>
+                          </m:r>
+                        </m:e>
+                        <m:sub>
+                          <m:r>
+                            <a:rPr lang="en-GB" sz="3200" b="0" i="1" smtClean="0">
+                              <a:latin typeface="Cambria Math" panose="02040503050406030204" pitchFamily="18" charset="0"/>
+                            </a:rPr>
+                            <m:t>𝑋</m:t>
+                          </m:r>
+                        </m:sub>
+                      </m:sSub>
+                      <m:r>
+                        <a:rPr lang="en-GB" sz="3200" b="0" i="1" smtClean="0">
+                          <a:latin typeface="Cambria Math" panose="02040503050406030204" pitchFamily="18" charset="0"/>
+                        </a:rPr>
+                        <m:t>=</m:t>
+                      </m:r>
+                      <m:f>
+                        <m:fPr>
+                          <m:ctrlPr>
+                            <a:rPr lang="en-GB" sz="3200" b="0" i="1" smtClean="0">
+                              <a:latin typeface="Cambria Math" panose="02040503050406030204" pitchFamily="18" charset="0"/>
+                            </a:rPr>
+                          </m:ctrlPr>
+                        </m:fPr>
+                        <m:num>
+                          <m:r>
+                            <a:rPr lang="en-GB" sz="3200" b="0" i="1" smtClean="0">
+                              <a:latin typeface="Cambria Math" panose="02040503050406030204" pitchFamily="18" charset="0"/>
+                            </a:rPr>
+                            <m:t>1</m:t>
+                          </m:r>
+                        </m:num>
+                        <m:den>
+                          <m:r>
+                            <a:rPr lang="en-GB" sz="3200" b="0" i="1" smtClean="0">
+                              <a:latin typeface="Cambria Math" panose="02040503050406030204" pitchFamily="18" charset="0"/>
+                            </a:rPr>
+                            <m:t>𝑛</m:t>
+                          </m:r>
+                          <m:r>
+                            <a:rPr lang="en-GB" sz="3200" b="0" i="1" smtClean="0">
+                              <a:latin typeface="Cambria Math" panose="02040503050406030204" pitchFamily="18" charset="0"/>
+                            </a:rPr>
+                            <m:t>−1</m:t>
+                          </m:r>
+                        </m:den>
+                      </m:f>
+                      <m:r>
+                        <a:rPr lang="en-GB" sz="3200" b="0" i="1" smtClean="0">
+                          <a:latin typeface="Cambria Math" panose="02040503050406030204" pitchFamily="18" charset="0"/>
+                        </a:rPr>
+                        <m:t> </m:t>
+                      </m:r>
+                      <m:sSup>
+                        <m:sSupPr>
+                          <m:ctrlPr>
+                            <a:rPr lang="en-GB" sz="3200" b="0" i="1" smtClean="0">
+                              <a:latin typeface="Cambria Math" panose="02040503050406030204" pitchFamily="18" charset="0"/>
+                            </a:rPr>
+                          </m:ctrlPr>
+                        </m:sSupPr>
+                        <m:e>
+                          <m:r>
+                            <a:rPr lang="en-GB" sz="3200" b="0" i="1" smtClean="0">
+                              <a:latin typeface="Cambria Math" panose="02040503050406030204" pitchFamily="18" charset="0"/>
+                            </a:rPr>
+                            <m:t>𝑉</m:t>
+                          </m:r>
+                        </m:e>
+                        <m:sup>
+                          <m:r>
+                            <a:rPr lang="en-GB" sz="3200" b="0" i="1" smtClean="0">
+                              <a:latin typeface="Cambria Math" panose="02040503050406030204" pitchFamily="18" charset="0"/>
+                            </a:rPr>
+                            <m:t>𝑇</m:t>
+                          </m:r>
+                        </m:sup>
+                      </m:sSup>
+                      <m:r>
+                        <m:rPr>
+                          <m:sty m:val="p"/>
+                        </m:rPr>
+                        <a:rPr lang="en-GB" sz="3200" b="0" i="0" smtClean="0">
+                          <a:latin typeface="Cambria Math" panose="02040503050406030204" pitchFamily="18" charset="0"/>
+                        </a:rPr>
+                        <m:t>Σ</m:t>
+                      </m:r>
+                      <m:r>
+                        <a:rPr lang="en-GB" sz="3200" b="0" i="1" smtClean="0">
+                          <a:latin typeface="Cambria Math" panose="02040503050406030204" pitchFamily="18" charset="0"/>
+                        </a:rPr>
+                        <m:t>𝑈</m:t>
+                      </m:r>
+                      <m:sSup>
+                        <m:sSupPr>
+                          <m:ctrlPr>
+                            <a:rPr lang="en-GB" sz="3200" b="0" i="1" smtClean="0">
+                              <a:latin typeface="Cambria Math" panose="02040503050406030204" pitchFamily="18" charset="0"/>
+                            </a:rPr>
+                          </m:ctrlPr>
+                        </m:sSupPr>
+                        <m:e>
+                          <m:r>
+                            <a:rPr lang="en-GB" sz="3200" b="0" i="1" smtClean="0">
+                              <a:latin typeface="Cambria Math" panose="02040503050406030204" pitchFamily="18" charset="0"/>
+                            </a:rPr>
+                            <m:t>𝑈</m:t>
+                          </m:r>
+                        </m:e>
+                        <m:sup>
+                          <m:r>
+                            <a:rPr lang="en-GB" sz="3200" b="0" i="1" smtClean="0">
+                              <a:latin typeface="Cambria Math" panose="02040503050406030204" pitchFamily="18" charset="0"/>
+                            </a:rPr>
+                            <m:t>𝑇</m:t>
+                          </m:r>
+                          <m:r>
+                            <a:rPr lang="en-GB" sz="3200" b="0" i="1" smtClean="0">
+                              <a:latin typeface="Cambria Math" panose="02040503050406030204" pitchFamily="18" charset="0"/>
+                            </a:rPr>
+                            <m:t> </m:t>
+                          </m:r>
+                        </m:sup>
+                      </m:sSup>
+                      <m:r>
+                        <m:rPr>
+                          <m:sty m:val="p"/>
+                        </m:rPr>
+                        <a:rPr lang="en-GB" sz="3200">
+                          <a:latin typeface="Cambria Math" panose="02040503050406030204" pitchFamily="18" charset="0"/>
+                        </a:rPr>
+                        <m:t>Σ</m:t>
+                      </m:r>
+                      <m:r>
+                        <a:rPr lang="en-GB" sz="3200" i="1">
+                          <a:latin typeface="Cambria Math" panose="02040503050406030204" pitchFamily="18" charset="0"/>
+                        </a:rPr>
+                        <m:t>𝑉</m:t>
+                      </m:r>
+                    </m:oMath>
+                  </m:oMathPara>
+                </a14:m>
+                <a:endParaRPr lang="en-GB" sz="3200" i="1" dirty="0">
+                  <a:latin typeface="Cambria Math" panose="02040503050406030204" pitchFamily="18" charset="0"/>
+                </a:endParaRPr>
+              </a:p>
+              <a:p>
+                <a14:m>
+                  <m:oMathPara xmlns:m="http://schemas.openxmlformats.org/officeDocument/2006/math">
+                    <m:oMathParaPr>
+                      <m:jc m:val="centerGroup"/>
+                    </m:oMathParaPr>
+                    <m:oMath xmlns:m="http://schemas.openxmlformats.org/officeDocument/2006/math">
+                      <m:r>
+                        <a:rPr lang="en-GB" sz="3200" b="0" i="1" smtClean="0">
+                          <a:latin typeface="Cambria Math" panose="02040503050406030204" pitchFamily="18" charset="0"/>
+                        </a:rPr>
+                        <m:t>=</m:t>
+                      </m:r>
+                      <m:f>
+                        <m:fPr>
+                          <m:ctrlPr>
+                            <a:rPr lang="en-GB" sz="3200" b="0" i="1" smtClean="0">
+                              <a:latin typeface="Cambria Math" panose="02040503050406030204" pitchFamily="18" charset="0"/>
+                            </a:rPr>
+                          </m:ctrlPr>
+                        </m:fPr>
+                        <m:num>
+                          <m:r>
+                            <a:rPr lang="en-GB" sz="3200" b="0" i="1" smtClean="0">
+                              <a:latin typeface="Cambria Math" panose="02040503050406030204" pitchFamily="18" charset="0"/>
+                            </a:rPr>
+                            <m:t>1</m:t>
+                          </m:r>
+                        </m:num>
+                        <m:den>
+                          <m:r>
+                            <a:rPr lang="en-GB" sz="3200" b="0" i="1" smtClean="0">
+                              <a:latin typeface="Cambria Math" panose="02040503050406030204" pitchFamily="18" charset="0"/>
+                            </a:rPr>
+                            <m:t>𝑛</m:t>
+                          </m:r>
+                          <m:r>
+                            <a:rPr lang="en-GB" sz="3200" b="0" i="1" smtClean="0">
+                              <a:latin typeface="Cambria Math" panose="02040503050406030204" pitchFamily="18" charset="0"/>
+                            </a:rPr>
+                            <m:t>−1</m:t>
+                          </m:r>
+                        </m:den>
+                      </m:f>
+                      <m:sSup>
+                        <m:sSupPr>
+                          <m:ctrlPr>
+                            <a:rPr lang="en-GB" sz="3200" b="0" i="1" smtClean="0">
+                              <a:latin typeface="Cambria Math" panose="02040503050406030204" pitchFamily="18" charset="0"/>
+                            </a:rPr>
+                          </m:ctrlPr>
+                        </m:sSupPr>
+                        <m:e>
+                          <m:r>
+                            <a:rPr lang="en-GB" sz="3200" b="0" i="1" smtClean="0">
+                              <a:latin typeface="Cambria Math" panose="02040503050406030204" pitchFamily="18" charset="0"/>
+                            </a:rPr>
+                            <m:t>𝑉</m:t>
+                          </m:r>
+                        </m:e>
+                        <m:sup>
+                          <m:r>
+                            <a:rPr lang="en-GB" sz="3200" b="0" i="1" smtClean="0">
+                              <a:latin typeface="Cambria Math" panose="02040503050406030204" pitchFamily="18" charset="0"/>
+                            </a:rPr>
+                            <m:t>𝑇</m:t>
+                          </m:r>
+                        </m:sup>
+                      </m:sSup>
+                      <m:r>
+                        <m:rPr>
+                          <m:sty m:val="p"/>
+                        </m:rPr>
+                        <a:rPr lang="en-GB" sz="3200" b="0" i="0" smtClean="0">
+                          <a:latin typeface="Cambria Math" panose="02040503050406030204" pitchFamily="18" charset="0"/>
+                        </a:rPr>
+                        <m:t>ΣΣ</m:t>
+                      </m:r>
+                      <m:r>
+                        <a:rPr lang="en-GB" sz="3200" b="0" i="1" smtClean="0">
+                          <a:latin typeface="Cambria Math" panose="02040503050406030204" pitchFamily="18" charset="0"/>
+                        </a:rPr>
+                        <m:t>𝑉</m:t>
+                      </m:r>
+                    </m:oMath>
+                  </m:oMathPara>
+                </a14:m>
+                <a:endParaRPr lang="en-GB" sz="3200" i="1" dirty="0">
+                  <a:latin typeface="Cambria Math" panose="02040503050406030204" pitchFamily="18" charset="0"/>
+                </a:endParaRPr>
+              </a:p>
+              <a:p>
+                <a14:m>
+                  <m:oMathPara xmlns:m="http://schemas.openxmlformats.org/officeDocument/2006/math">
+                    <m:oMathParaPr>
+                      <m:jc m:val="centerGroup"/>
+                    </m:oMathParaPr>
+                    <m:oMath xmlns:m="http://schemas.openxmlformats.org/officeDocument/2006/math">
+                      <m:r>
+                        <a:rPr lang="en-GB" sz="3200" b="0" i="1" smtClean="0">
+                          <a:latin typeface="Cambria Math" panose="02040503050406030204" pitchFamily="18" charset="0"/>
+                        </a:rPr>
+                        <m:t>=</m:t>
+                      </m:r>
+                      <m:f>
+                        <m:fPr>
+                          <m:ctrlPr>
+                            <a:rPr lang="en-GB" sz="3200" b="0" i="1" smtClean="0">
+                              <a:latin typeface="Cambria Math" panose="02040503050406030204" pitchFamily="18" charset="0"/>
+                            </a:rPr>
+                          </m:ctrlPr>
+                        </m:fPr>
+                        <m:num>
+                          <m:r>
+                            <a:rPr lang="en-GB" sz="3200" b="0" i="1" smtClean="0">
+                              <a:latin typeface="Cambria Math" panose="02040503050406030204" pitchFamily="18" charset="0"/>
+                            </a:rPr>
+                            <m:t>1</m:t>
+                          </m:r>
+                        </m:num>
+                        <m:den>
+                          <m:r>
+                            <a:rPr lang="en-GB" sz="3200" b="0" i="1" smtClean="0">
+                              <a:latin typeface="Cambria Math" panose="02040503050406030204" pitchFamily="18" charset="0"/>
+                            </a:rPr>
+                            <m:t>𝑛</m:t>
+                          </m:r>
+                          <m:r>
+                            <a:rPr lang="en-GB" sz="3200" b="0" i="1" smtClean="0">
+                              <a:latin typeface="Cambria Math" panose="02040503050406030204" pitchFamily="18" charset="0"/>
+                            </a:rPr>
+                            <m:t>−1</m:t>
+                          </m:r>
+                        </m:den>
+                      </m:f>
+                      <m:sSup>
+                        <m:sSupPr>
+                          <m:ctrlPr>
+                            <a:rPr lang="en-GB" sz="3200" b="0" i="1" smtClean="0">
+                              <a:latin typeface="Cambria Math" panose="02040503050406030204" pitchFamily="18" charset="0"/>
+                            </a:rPr>
+                          </m:ctrlPr>
+                        </m:sSupPr>
+                        <m:e>
+                          <m:r>
+                            <a:rPr lang="en-GB" sz="3200" b="0" i="1" smtClean="0">
+                              <a:latin typeface="Cambria Math" panose="02040503050406030204" pitchFamily="18" charset="0"/>
+                            </a:rPr>
+                            <m:t>𝑉</m:t>
+                          </m:r>
+                        </m:e>
+                        <m:sup>
+                          <m:r>
+                            <a:rPr lang="en-GB" sz="3200" b="0" i="1" smtClean="0">
+                              <a:latin typeface="Cambria Math" panose="02040503050406030204" pitchFamily="18" charset="0"/>
+                            </a:rPr>
+                            <m:t>𝑇</m:t>
+                          </m:r>
+                        </m:sup>
+                      </m:sSup>
+                      <m:r>
+                        <a:rPr lang="en-GB" sz="3200" b="0" i="1" smtClean="0">
+                          <a:latin typeface="Cambria Math" panose="02040503050406030204" pitchFamily="18" charset="0"/>
+                        </a:rPr>
+                        <m:t>𝐷𝑉</m:t>
+                      </m:r>
+                    </m:oMath>
+                  </m:oMathPara>
+                </a14:m>
+                <a:endParaRPr lang="en-GB" sz="3200" b="0" i="1" dirty="0">
+                  <a:latin typeface="Cambria Math" panose="02040503050406030204" pitchFamily="18" charset="0"/>
+                </a:endParaRPr>
+              </a:p>
+              <a:p>
+                <a:endParaRPr lang="en-GB" sz="3200" i="1" dirty="0">
+                  <a:latin typeface="Cambria Math" panose="02040503050406030204" pitchFamily="18" charset="0"/>
+                </a:endParaRPr>
+              </a:p>
+              <a:p>
+                <a:endParaRPr lang="en-GB" i="1" dirty="0">
+                  <a:latin typeface="Cambria Math" panose="02040503050406030204" pitchFamily="18" charset="0"/>
+                </a:endParaRPr>
+              </a:p>
+              <a:p>
+                <a:pPr lvl="1"/>
+                <a:r>
+                  <a:rPr lang="en-GB" i="1" dirty="0">
+                    <a:latin typeface="Cambria Math" panose="02040503050406030204" pitchFamily="18" charset="0"/>
+                  </a:rPr>
+                  <a:t> </a:t>
+                </a:r>
+              </a:p>
+              <a:p>
+                <a:endParaRPr lang="en-GB" b="0" i="1" dirty="0">
+                  <a:latin typeface="Cambria Math" panose="02040503050406030204" pitchFamily="18" charset="0"/>
+                </a:endParaRPr>
+              </a:p>
+              <a:p>
+                <a14:m>
+                  <m:oMathPara xmlns:m="http://schemas.openxmlformats.org/officeDocument/2006/math">
+                    <m:oMathParaPr>
+                      <m:jc m:val="centerGroup"/>
+                    </m:oMathParaPr>
+                    <m:oMath xmlns:m="http://schemas.openxmlformats.org/officeDocument/2006/math">
+                      <m:r>
+                        <a:rPr lang="en-GB" b="0" i="1" smtClean="0">
+                          <a:latin typeface="Cambria Math" panose="02040503050406030204" pitchFamily="18" charset="0"/>
+                        </a:rPr>
+                        <m:t> </m:t>
+                      </m:r>
+                    </m:oMath>
+                  </m:oMathPara>
+                </a14:m>
+                <a:endParaRPr lang="en-BE" dirty="0"/>
+              </a:p>
+            </p:txBody>
+          </p:sp>
+        </mc:Choice>
+        <mc:Fallback>
+          <p:sp>
+            <p:nvSpPr>
+              <p:cNvPr id="4" name="TextBox 3">
+                <a:extLst>
+                  <a:ext uri="{FF2B5EF4-FFF2-40B4-BE49-F238E27FC236}">
+                    <a16:creationId xmlns:a16="http://schemas.microsoft.com/office/drawing/2014/main" id="{BEE06034-41FD-9D9F-1F6A-FEA051763477}"/>
+                  </a:ext>
+                </a:extLst>
+              </p:cNvPr>
+              <p:cNvSpPr txBox="1">
+                <a:spLocks noRot="1" noChangeAspect="1" noMove="1" noResize="1" noEditPoints="1" noAdjustHandles="1" noChangeArrowheads="1" noChangeShapeType="1" noTextEdit="1"/>
+              </p:cNvSpPr>
+              <p:nvPr/>
+            </p:nvSpPr>
+            <p:spPr>
+              <a:xfrm>
+                <a:off x="-149996" y="2273806"/>
+                <a:ext cx="6805448" cy="4376006"/>
+              </a:xfrm>
+              <a:prstGeom prst="rect">
+                <a:avLst/>
+              </a:prstGeom>
+              <a:blipFill>
+                <a:blip r:embed="rId2"/>
+                <a:stretch>
+                  <a:fillRect t="-290" b="-1739"/>
+                </a:stretch>
+              </a:blipFill>
+            </p:spPr>
+            <p:txBody>
+              <a:bodyPr/>
+              <a:lstStyle/>
+              <a:p>
+                <a:r>
+                  <a:rPr lang="en-BE">
+                    <a:noFill/>
+                  </a:rPr>
+                  <a:t> </a:t>
+                </a:r>
+              </a:p>
+            </p:txBody>
+          </p:sp>
+        </mc:Fallback>
+      </mc:AlternateContent>
+      <mc:AlternateContent xmlns:mc="http://schemas.openxmlformats.org/markup-compatibility/2006">
+        <mc:Choice xmlns:a14="http://schemas.microsoft.com/office/drawing/2010/main" Requires="a14">
+          <p:sp>
+            <p:nvSpPr>
+              <p:cNvPr id="7" name="TextBox 6">
+                <a:extLst>
+                  <a:ext uri="{FF2B5EF4-FFF2-40B4-BE49-F238E27FC236}">
+                    <a16:creationId xmlns:a16="http://schemas.microsoft.com/office/drawing/2014/main" id="{EB954107-27D5-B6D5-3FC7-B70670D32F6E}"/>
+                  </a:ext>
+                </a:extLst>
+              </p:cNvPr>
+              <p:cNvSpPr txBox="1"/>
+              <p:nvPr/>
+            </p:nvSpPr>
+            <p:spPr>
+              <a:xfrm>
+                <a:off x="5969875" y="3093729"/>
+                <a:ext cx="6117021" cy="1248803"/>
+              </a:xfrm>
+              <a:prstGeom prst="rect">
+                <a:avLst/>
+              </a:prstGeom>
+              <a:noFill/>
+            </p:spPr>
+            <p:txBody>
+              <a:bodyPr wrap="square">
+                <a:spAutoFit/>
+              </a:bodyPr>
+              <a:lstStyle/>
+              <a:p>
+                <a:pPr/>
+                <a14:m>
+                  <m:oMathPara xmlns:m="http://schemas.openxmlformats.org/officeDocument/2006/math">
+                    <m:oMathParaPr>
+                      <m:jc m:val="centerGroup"/>
+                    </m:oMathParaPr>
+                    <m:oMath xmlns:m="http://schemas.openxmlformats.org/officeDocument/2006/math">
+                      <m:r>
+                        <a:rPr lang="en-GB" sz="4000" b="0" i="1" smtClean="0">
+                          <a:latin typeface="Cambria Math" panose="02040503050406030204" pitchFamily="18" charset="0"/>
+                        </a:rPr>
+                        <m:t>𝑉</m:t>
+                      </m:r>
+                      <m:sSub>
+                        <m:sSubPr>
+                          <m:ctrlPr>
+                            <a:rPr lang="en-GB" sz="4000" b="0" i="1" smtClean="0">
+                              <a:latin typeface="Cambria Math" panose="02040503050406030204" pitchFamily="18" charset="0"/>
+                            </a:rPr>
+                          </m:ctrlPr>
+                        </m:sSubPr>
+                        <m:e>
+                          <m:r>
+                            <a:rPr lang="en-GB" sz="4000" b="0" i="1" smtClean="0">
+                              <a:latin typeface="Cambria Math" panose="02040503050406030204" pitchFamily="18" charset="0"/>
+                            </a:rPr>
+                            <m:t>𝐶</m:t>
+                          </m:r>
+                        </m:e>
+                        <m:sub>
+                          <m:r>
+                            <a:rPr lang="en-GB" sz="4000" b="0" i="1" smtClean="0">
+                              <a:latin typeface="Cambria Math" panose="02040503050406030204" pitchFamily="18" charset="0"/>
+                            </a:rPr>
+                            <m:t>𝑋</m:t>
+                          </m:r>
+                        </m:sub>
+                      </m:sSub>
+                      <m:sSup>
+                        <m:sSupPr>
+                          <m:ctrlPr>
+                            <a:rPr lang="en-GB" sz="4000" b="0" i="1" smtClean="0">
+                              <a:latin typeface="Cambria Math" panose="02040503050406030204" pitchFamily="18" charset="0"/>
+                            </a:rPr>
+                          </m:ctrlPr>
+                        </m:sSupPr>
+                        <m:e>
+                          <m:r>
+                            <a:rPr lang="en-GB" sz="4000" b="0" i="1" smtClean="0">
+                              <a:latin typeface="Cambria Math" panose="02040503050406030204" pitchFamily="18" charset="0"/>
+                            </a:rPr>
+                            <m:t>𝑉</m:t>
+                          </m:r>
+                        </m:e>
+                        <m:sup>
+                          <m:r>
+                            <a:rPr lang="en-GB" sz="4000" b="0" i="1" smtClean="0">
+                              <a:latin typeface="Cambria Math" panose="02040503050406030204" pitchFamily="18" charset="0"/>
+                            </a:rPr>
+                            <m:t>𝑇</m:t>
+                          </m:r>
+                        </m:sup>
+                      </m:sSup>
+                      <m:r>
+                        <a:rPr lang="en-GB" sz="4000" b="0" i="1" smtClean="0">
+                          <a:latin typeface="Cambria Math" panose="02040503050406030204" pitchFamily="18" charset="0"/>
+                        </a:rPr>
+                        <m:t>=</m:t>
+                      </m:r>
+                      <m:f>
+                        <m:fPr>
+                          <m:ctrlPr>
+                            <a:rPr lang="en-GB" sz="4000" b="0" i="1" smtClean="0">
+                              <a:latin typeface="Cambria Math" panose="02040503050406030204" pitchFamily="18" charset="0"/>
+                            </a:rPr>
+                          </m:ctrlPr>
+                        </m:fPr>
+                        <m:num>
+                          <m:r>
+                            <a:rPr lang="en-GB" sz="4000" b="0" i="1" smtClean="0">
+                              <a:latin typeface="Cambria Math" panose="02040503050406030204" pitchFamily="18" charset="0"/>
+                            </a:rPr>
+                            <m:t>1</m:t>
+                          </m:r>
+                        </m:num>
+                        <m:den>
+                          <m:r>
+                            <a:rPr lang="en-GB" sz="4000" b="0" i="1" smtClean="0">
+                              <a:latin typeface="Cambria Math" panose="02040503050406030204" pitchFamily="18" charset="0"/>
+                            </a:rPr>
+                            <m:t>𝑛</m:t>
+                          </m:r>
+                          <m:r>
+                            <a:rPr lang="en-GB" sz="4000" b="0" i="1" smtClean="0">
+                              <a:latin typeface="Cambria Math" panose="02040503050406030204" pitchFamily="18" charset="0"/>
+                            </a:rPr>
+                            <m:t>−1</m:t>
+                          </m:r>
+                        </m:den>
+                      </m:f>
+                      <m:r>
+                        <a:rPr lang="en-GB" sz="4000" b="0" i="1" smtClean="0">
+                          <a:latin typeface="Cambria Math" panose="02040503050406030204" pitchFamily="18" charset="0"/>
+                        </a:rPr>
+                        <m:t>𝐷</m:t>
+                      </m:r>
+                    </m:oMath>
+                  </m:oMathPara>
+                </a14:m>
+                <a:endParaRPr lang="en-GB" sz="4000" i="1" dirty="0">
+                  <a:latin typeface="Cambria Math" panose="02040503050406030204" pitchFamily="18" charset="0"/>
+                </a:endParaRPr>
+              </a:p>
+            </p:txBody>
+          </p:sp>
+        </mc:Choice>
+        <mc:Fallback>
+          <p:sp>
+            <p:nvSpPr>
+              <p:cNvPr id="7" name="TextBox 6">
+                <a:extLst>
+                  <a:ext uri="{FF2B5EF4-FFF2-40B4-BE49-F238E27FC236}">
+                    <a16:creationId xmlns:a16="http://schemas.microsoft.com/office/drawing/2014/main" id="{EB954107-27D5-B6D5-3FC7-B70670D32F6E}"/>
+                  </a:ext>
+                </a:extLst>
+              </p:cNvPr>
+              <p:cNvSpPr txBox="1">
+                <a:spLocks noRot="1" noChangeAspect="1" noMove="1" noResize="1" noEditPoints="1" noAdjustHandles="1" noChangeArrowheads="1" noChangeShapeType="1" noTextEdit="1"/>
+              </p:cNvSpPr>
+              <p:nvPr/>
+            </p:nvSpPr>
+            <p:spPr>
+              <a:xfrm>
+                <a:off x="5969875" y="3093729"/>
+                <a:ext cx="6117021" cy="1248803"/>
+              </a:xfrm>
+              <a:prstGeom prst="rect">
+                <a:avLst/>
+              </a:prstGeom>
+              <a:blipFill>
+                <a:blip r:embed="rId3"/>
+                <a:stretch>
+                  <a:fillRect b="-9091"/>
+                </a:stretch>
+              </a:blipFill>
+            </p:spPr>
+            <p:txBody>
+              <a:bodyPr/>
+              <a:lstStyle/>
+              <a:p>
+                <a:r>
+                  <a:rPr lang="en-BE">
+                    <a:noFill/>
+                  </a:rPr>
+                  <a:t> </a:t>
+                </a:r>
+              </a:p>
+            </p:txBody>
+          </p:sp>
+        </mc:Fallback>
+      </mc:AlternateContent>
     </p:spTree>
     <p:extLst>
       <p:ext uri="{BB962C8B-B14F-4D97-AF65-F5344CB8AC3E}">
-        <p14:creationId xmlns:p14="http://schemas.microsoft.com/office/powerpoint/2010/main" val="1918213271"/>
+        <p14:creationId xmlns:p14="http://schemas.microsoft.com/office/powerpoint/2010/main" val="2272686734"/>
       </p:ext>
     </p:extLst>
   </p:cSld>
@@ -8642,7 +11041,7 @@
           <p:cNvPr id="2" name="Title 1">
             <a:extLst>
               <a:ext uri="{FF2B5EF4-FFF2-40B4-BE49-F238E27FC236}">
-                <a16:creationId xmlns:a16="http://schemas.microsoft.com/office/drawing/2014/main" id="{CE66AFB0-F97B-BB34-923F-47A4775E83E6}"/>
+                <a16:creationId xmlns:a16="http://schemas.microsoft.com/office/drawing/2014/main" id="{656D4D6A-7C37-9E9C-2CA6-7A70993A8647}"/>
               </a:ext>
             </a:extLst>
           </p:cNvPr>
@@ -8660,17 +11059,17 @@
           <a:p>
             <a:r>
               <a:rPr lang="en-BE" dirty="0"/>
-              <a:t>Numerical Example </a:t>
+              <a:t>Numerical Advantages : SVD</a:t>
             </a:r>
           </a:p>
         </p:txBody>
       </p:sp>
       <p:sp>
         <p:nvSpPr>
-          <p:cNvPr id="3" name="Content Placeholder 2">
+          <p:cNvPr id="11" name="Content Placeholder 10">
             <a:extLst>
               <a:ext uri="{FF2B5EF4-FFF2-40B4-BE49-F238E27FC236}">
-                <a16:creationId xmlns:a16="http://schemas.microsoft.com/office/drawing/2014/main" id="{C57E6ECE-1D9E-EE18-FD00-9C36BE5A9D0C}"/>
+                <a16:creationId xmlns:a16="http://schemas.microsoft.com/office/drawing/2014/main" id="{A051E789-19CD-EFFF-B7FC-1527355DCA47}"/>
               </a:ext>
             </a:extLst>
           </p:cNvPr>
@@ -8683,47 +11082,35 @@
         </p:nvSpPr>
         <p:spPr/>
         <p:txBody>
-          <a:bodyPr/>
+          <a:bodyPr>
+            <a:normAutofit fontScale="92500" lnSpcReduction="20000"/>
+          </a:bodyPr>
           <a:lstStyle/>
           <a:p>
-            <a:endParaRPr lang="en-BE"/>
-          </a:p>
-        </p:txBody>
-      </p:sp>
-      <p:pic>
-        <p:nvPicPr>
-          <p:cNvPr id="4" name="Content Placeholder 4">
-            <a:extLst>
-              <a:ext uri="{FF2B5EF4-FFF2-40B4-BE49-F238E27FC236}">
-                <a16:creationId xmlns:a16="http://schemas.microsoft.com/office/drawing/2014/main" id="{8F50EB2A-AEDA-BD73-46AA-4C153F074882}"/>
-              </a:ext>
-            </a:extLst>
-          </p:cNvPr>
-          <p:cNvPicPr>
-            <a:picLocks noChangeAspect="1"/>
-          </p:cNvPicPr>
-          <p:nvPr/>
-        </p:nvPicPr>
-        <p:blipFill>
-          <a:blip r:embed="rId2"/>
-          <a:stretch>
-            <a:fillRect/>
-          </a:stretch>
-        </p:blipFill>
-        <p:spPr>
-          <a:xfrm>
-            <a:off x="2098540" y="1293697"/>
-            <a:ext cx="5858723" cy="4397220"/>
-          </a:xfrm>
-          <a:prstGeom prst="rect">
-            <a:avLst/>
-          </a:prstGeom>
-        </p:spPr>
-      </p:pic>
+            <a:r>
+              <a:rPr lang="en-GB" dirty="0"/>
+              <a:t>Firstly, focusing on computational demands and numerical stability, avoiding the computation of X^T X is advantageous. This approach is not only computationally less expensive but also reduces the risk of increases the condition number of the matrix, which could lead to numerical instabilities.</a:t>
+            </a:r>
+          </a:p>
+          <a:p>
+            <a:r>
+              <a:rPr lang="en-GB" dirty="0"/>
+              <a:t>Secondly, nowadays the algorithms to compute the SVD are extremely efficient (and better that the ones for eigenvector). As we might be only interested by the $k$-first Principal Components these algorithms don't require to compute each components and can be stopped at anytime.</a:t>
+            </a:r>
+          </a:p>
+          <a:p>
+            <a:r>
+              <a:rPr lang="en-GB" dirty="0"/>
+              <a:t>Finally, provided that X is sparse (e.g. images) transforming it into XX^T results in dense matrix. Keeping this sparse structure is really important, indeed algorithms can be adapted leading to seemingly more efficient algorithms. </a:t>
+            </a:r>
+            <a:endParaRPr lang="en-BE" dirty="0"/>
+          </a:p>
+        </p:txBody>
+      </p:sp>
     </p:spTree>
     <p:extLst>
       <p:ext uri="{BB962C8B-B14F-4D97-AF65-F5344CB8AC3E}">
-        <p14:creationId xmlns:p14="http://schemas.microsoft.com/office/powerpoint/2010/main" val="57361115"/>
+        <p14:creationId xmlns:p14="http://schemas.microsoft.com/office/powerpoint/2010/main" val="1918213271"/>
       </p:ext>
     </p:extLst>
   </p:cSld>
@@ -8736,6 +11123,34 @@
 <file path=ppt/slides/slide9.xml><?xml version="1.0" encoding="utf-8"?>
 <p:sld xmlns:a="http://schemas.openxmlformats.org/drawingml/2006/main" xmlns:r="http://schemas.openxmlformats.org/officeDocument/2006/relationships" xmlns:p="http://schemas.openxmlformats.org/presentationml/2006/main">
   <p:cSld>
+    <p:bg>
+      <p:bgPr>
+        <a:gradFill flip="none" rotWithShape="1">
+          <a:gsLst>
+            <a:gs pos="0">
+              <a:schemeClr val="bg2">
+                <a:shade val="100000"/>
+                <a:hueMod val="100000"/>
+                <a:satMod val="110000"/>
+                <a:lumMod val="79000"/>
+                <a:lumOff val="21000"/>
+              </a:schemeClr>
+            </a:gs>
+            <a:gs pos="100000">
+              <a:schemeClr val="bg2">
+                <a:shade val="78000"/>
+                <a:hueMod val="44000"/>
+                <a:satMod val="200000"/>
+                <a:lumMod val="70000"/>
+              </a:schemeClr>
+            </a:gs>
+          </a:gsLst>
+          <a:lin ang="0" scaled="1"/>
+          <a:tileRect/>
+        </a:gradFill>
+        <a:effectLst/>
+      </p:bgPr>
+    </p:bg>
     <p:spTree>
       <p:nvGrpSpPr>
         <p:cNvPr id="1" name=""/>
@@ -8750,70 +11165,548 @@
           <a:chExt cx="0" cy="0"/>
         </a:xfrm>
       </p:grpSpPr>
-      <p:sp>
-        <p:nvSpPr>
-          <p:cNvPr id="2" name="Title 1">
+      <p:pic>
+        <p:nvPicPr>
+          <p:cNvPr id="17" name="Picture 16">
             <a:extLst>
               <a:ext uri="{FF2B5EF4-FFF2-40B4-BE49-F238E27FC236}">
-                <a16:creationId xmlns:a16="http://schemas.microsoft.com/office/drawing/2014/main" id="{E4255D55-647F-69C8-1EEB-7EE3DAEE4031}"/>
-              </a:ext>
-            </a:extLst>
-          </p:cNvPr>
-          <p:cNvSpPr>
-            <a:spLocks noGrp="1"/>
-          </p:cNvSpPr>
-          <p:nvPr>
-            <p:ph type="title"/>
-          </p:nvPr>
-        </p:nvSpPr>
-        <p:spPr/>
-        <p:txBody>
-          <a:bodyPr/>
-          <a:lstStyle/>
-          <a:p>
-            <a:r>
-              <a:rPr lang="en-BE" dirty="0"/>
-              <a:t>Numerical Example </a:t>
-            </a:r>
-          </a:p>
-        </p:txBody>
-      </p:sp>
-      <p:pic>
-        <p:nvPicPr>
-          <p:cNvPr id="4" name="Content Placeholder 3">
-            <a:extLst>
-              <a:ext uri="{FF2B5EF4-FFF2-40B4-BE49-F238E27FC236}">
-                <a16:creationId xmlns:a16="http://schemas.microsoft.com/office/drawing/2014/main" id="{B9B5A494-B61B-1AD2-7B87-6E0DB802771B}"/>
+                <a16:creationId xmlns:a16="http://schemas.microsoft.com/office/drawing/2014/main" id="{AC3E6C53-102E-4ACA-BCBB-3CC973B99486}"/>
+              </a:ext>
+              <a:ext uri="{C183D7F6-B498-43B3-948B-1728B52AA6E4}">
+                <adec:decorative xmlns:adec="http://schemas.microsoft.com/office/drawing/2017/decorative" val="1"/>
               </a:ext>
             </a:extLst>
           </p:cNvPr>
           <p:cNvPicPr>
-            <a:picLocks noGrp="1" noChangeAspect="1"/>
+            <a:picLocks noGrp="1" noRot="1" noChangeAspect="1" noMove="1" noResize="1" noEditPoints="1" noAdjustHandles="1" noChangeArrowheads="1" noChangeShapeType="1" noCrop="1"/>
           </p:cNvPicPr>
           <p:nvPr>
-            <p:ph idx="1"/>
+            <p:extLst>
+              <p:ext uri="{386F3935-93C4-4BCD-93E2-E3B085C9AB24}">
+                <p16:designElem xmlns:p16="http://schemas.microsoft.com/office/powerpoint/2015/main" val="1"/>
+              </p:ext>
+            </p:extLst>
           </p:nvPr>
         </p:nvPicPr>
         <p:blipFill>
-          <a:blip r:embed="rId2"/>
+          <a:blip r:embed="rId2">
+            <a:alphaModFix amt="10000"/>
+            <a:extLst>
+              <a:ext uri="{28A0092B-C50C-407E-A947-70E740481C1C}">
+                <a14:useLocalDpi xmlns:a14="http://schemas.microsoft.com/office/drawing/2010/main" val="0"/>
+              </a:ext>
+            </a:extLst>
+          </a:blip>
           <a:stretch>
             <a:fillRect/>
           </a:stretch>
         </p:blipFill>
         <p:spPr>
           <a:xfrm>
-            <a:off x="2366477" y="1738556"/>
-            <a:ext cx="6241548" cy="4684547"/>
+            <a:off x="0" y="0"/>
+            <a:ext cx="12192000" cy="6858000"/>
           </a:xfrm>
           <a:prstGeom prst="rect">
             <a:avLst/>
           </a:prstGeom>
         </p:spPr>
       </p:pic>
+      <p:pic>
+        <p:nvPicPr>
+          <p:cNvPr id="19" name="Picture 18">
+            <a:extLst>
+              <a:ext uri="{FF2B5EF4-FFF2-40B4-BE49-F238E27FC236}">
+                <a16:creationId xmlns:a16="http://schemas.microsoft.com/office/drawing/2014/main" id="{17B2B42C-0777-4D6E-9432-535281803A88}"/>
+              </a:ext>
+              <a:ext uri="{C183D7F6-B498-43B3-948B-1728B52AA6E4}">
+                <adec:decorative xmlns:adec="http://schemas.microsoft.com/office/drawing/2017/decorative" val="1"/>
+              </a:ext>
+            </a:extLst>
+          </p:cNvPr>
+          <p:cNvPicPr>
+            <a:picLocks noGrp="1" noRot="1" noChangeAspect="1" noMove="1" noResize="1" noEditPoints="1" noAdjustHandles="1" noChangeArrowheads="1" noChangeShapeType="1" noCrop="1"/>
+          </p:cNvPicPr>
+          <p:nvPr>
+            <p:extLst>
+              <p:ext uri="{386F3935-93C4-4BCD-93E2-E3B085C9AB24}">
+                <p16:designElem xmlns:p16="http://schemas.microsoft.com/office/powerpoint/2015/main" val="1"/>
+              </p:ext>
+            </p:extLst>
+          </p:nvPr>
+        </p:nvPicPr>
+        <p:blipFill>
+          <a:blip r:embed="rId3">
+            <a:extLst>
+              <a:ext uri="{28A0092B-C50C-407E-A947-70E740481C1C}">
+                <a14:useLocalDpi xmlns:a14="http://schemas.microsoft.com/office/drawing/2010/main" val="0"/>
+              </a:ext>
+            </a:extLst>
+          </a:blip>
+          <a:stretch>
+            <a:fillRect/>
+          </a:stretch>
+        </p:blipFill>
+        <p:spPr>
+          <a:xfrm>
+            <a:off x="1" y="4242851"/>
+            <a:ext cx="8968084" cy="275942"/>
+          </a:xfrm>
+          <a:prstGeom prst="rect">
+            <a:avLst/>
+          </a:prstGeom>
+        </p:spPr>
+      </p:pic>
+      <p:pic>
+        <p:nvPicPr>
+          <p:cNvPr id="21" name="Picture 20">
+            <a:extLst>
+              <a:ext uri="{FF2B5EF4-FFF2-40B4-BE49-F238E27FC236}">
+                <a16:creationId xmlns:a16="http://schemas.microsoft.com/office/drawing/2014/main" id="{EFEAAB60-93E2-4DC6-99AC-939637BCE864}"/>
+              </a:ext>
+              <a:ext uri="{C183D7F6-B498-43B3-948B-1728B52AA6E4}">
+                <adec:decorative xmlns:adec="http://schemas.microsoft.com/office/drawing/2017/decorative" val="1"/>
+              </a:ext>
+            </a:extLst>
+          </p:cNvPr>
+          <p:cNvPicPr>
+            <a:picLocks noGrp="1" noRot="1" noChangeAspect="1" noMove="1" noResize="1" noEditPoints="1" noAdjustHandles="1" noChangeArrowheads="1" noChangeShapeType="1" noCrop="1"/>
+          </p:cNvPicPr>
+          <p:nvPr>
+            <p:extLst>
+              <p:ext uri="{386F3935-93C4-4BCD-93E2-E3B085C9AB24}">
+                <p16:designElem xmlns:p16="http://schemas.microsoft.com/office/powerpoint/2015/main" val="1"/>
+              </p:ext>
+            </p:extLst>
+          </p:nvPr>
+        </p:nvPicPr>
+        <p:blipFill>
+          <a:blip r:embed="rId4">
+            <a:extLst>
+              <a:ext uri="{28A0092B-C50C-407E-A947-70E740481C1C}">
+                <a14:useLocalDpi xmlns:a14="http://schemas.microsoft.com/office/drawing/2010/main" val="0"/>
+              </a:ext>
+            </a:extLst>
+          </a:blip>
+          <a:stretch>
+            <a:fillRect/>
+          </a:stretch>
+        </p:blipFill>
+        <p:spPr>
+          <a:xfrm>
+            <a:off x="9111716" y="4243845"/>
+            <a:ext cx="3077108" cy="276940"/>
+          </a:xfrm>
+          <a:prstGeom prst="rect">
+            <a:avLst/>
+          </a:prstGeom>
+        </p:spPr>
+      </p:pic>
+      <p:sp>
+        <p:nvSpPr>
+          <p:cNvPr id="23" name="Rectangle 22">
+            <a:extLst>
+              <a:ext uri="{FF2B5EF4-FFF2-40B4-BE49-F238E27FC236}">
+                <a16:creationId xmlns:a16="http://schemas.microsoft.com/office/drawing/2014/main" id="{7EF5ECB8-D49C-48FB-A93E-88EB2FFDFD42}"/>
+              </a:ext>
+              <a:ext uri="{C183D7F6-B498-43B3-948B-1728B52AA6E4}">
+                <adec:decorative xmlns:adec="http://schemas.microsoft.com/office/drawing/2017/decorative" val="1"/>
+              </a:ext>
+            </a:extLst>
+          </p:cNvPr>
+          <p:cNvSpPr>
+            <a:spLocks noGrp="1" noRot="1" noChangeAspect="1" noMove="1" noResize="1" noEditPoints="1" noAdjustHandles="1" noChangeArrowheads="1" noChangeShapeType="1" noTextEdit="1"/>
+          </p:cNvSpPr>
+          <p:nvPr>
+            <p:extLst>
+              <p:ext uri="{386F3935-93C4-4BCD-93E2-E3B085C9AB24}">
+                <p16:designElem xmlns:p16="http://schemas.microsoft.com/office/powerpoint/2015/main" val="1"/>
+              </p:ext>
+            </p:extLst>
+          </p:nvPr>
+        </p:nvSpPr>
+        <p:spPr bwMode="ltGray">
+          <a:xfrm>
+            <a:off x="0" y="2590078"/>
+            <a:ext cx="8968085" cy="1660332"/>
+          </a:xfrm>
+          <a:prstGeom prst="rect">
+            <a:avLst/>
+          </a:prstGeom>
+          <a:solidFill>
+            <a:schemeClr val="bg1">
+              <a:lumMod val="85000"/>
+              <a:lumOff val="15000"/>
+            </a:schemeClr>
+          </a:solidFill>
+          <a:ln>
+            <a:noFill/>
+          </a:ln>
+        </p:spPr>
+        <p:style>
+          <a:lnRef idx="2">
+            <a:schemeClr val="accent1">
+              <a:shade val="50000"/>
+            </a:schemeClr>
+          </a:lnRef>
+          <a:fillRef idx="1">
+            <a:schemeClr val="accent1"/>
+          </a:fillRef>
+          <a:effectRef idx="0">
+            <a:schemeClr val="accent1"/>
+          </a:effectRef>
+          <a:fontRef idx="minor">
+            <a:schemeClr val="lt1"/>
+          </a:fontRef>
+        </p:style>
+        <p:txBody>
+          <a:bodyPr/>
+          <a:lstStyle/>
+          <a:p>
+            <a:endParaRPr lang="en-BE"/>
+          </a:p>
+        </p:txBody>
+      </p:sp>
+      <p:sp>
+        <p:nvSpPr>
+          <p:cNvPr id="25" name="Rectangle 24">
+            <a:extLst>
+              <a:ext uri="{FF2B5EF4-FFF2-40B4-BE49-F238E27FC236}">
+                <a16:creationId xmlns:a16="http://schemas.microsoft.com/office/drawing/2014/main" id="{411B77A2-BD5C-432D-B52E-C12612C74C17}"/>
+              </a:ext>
+              <a:ext uri="{C183D7F6-B498-43B3-948B-1728B52AA6E4}">
+                <adec:decorative xmlns:adec="http://schemas.microsoft.com/office/drawing/2017/decorative" val="1"/>
+              </a:ext>
+            </a:extLst>
+          </p:cNvPr>
+          <p:cNvSpPr>
+            <a:spLocks noGrp="1" noRot="1" noChangeAspect="1" noMove="1" noResize="1" noEditPoints="1" noAdjustHandles="1" noChangeArrowheads="1" noChangeShapeType="1" noTextEdit="1"/>
+          </p:cNvSpPr>
+          <p:nvPr>
+            <p:extLst>
+              <p:ext uri="{386F3935-93C4-4BCD-93E2-E3B085C9AB24}">
+                <p16:designElem xmlns:p16="http://schemas.microsoft.com/office/powerpoint/2015/main" val="1"/>
+              </p:ext>
+            </p:extLst>
+          </p:nvPr>
+        </p:nvSpPr>
+        <p:spPr>
+          <a:xfrm>
+            <a:off x="9111715" y="2590078"/>
+            <a:ext cx="3077109" cy="1660332"/>
+          </a:xfrm>
+          <a:prstGeom prst="rect">
+            <a:avLst/>
+          </a:prstGeom>
+          <a:solidFill>
+            <a:schemeClr val="accent1"/>
+          </a:solidFill>
+          <a:ln>
+            <a:noFill/>
+          </a:ln>
+        </p:spPr>
+        <p:style>
+          <a:lnRef idx="2">
+            <a:schemeClr val="accent1">
+              <a:shade val="50000"/>
+            </a:schemeClr>
+          </a:lnRef>
+          <a:fillRef idx="1">
+            <a:schemeClr val="accent1"/>
+          </a:fillRef>
+          <a:effectRef idx="0">
+            <a:schemeClr val="accent1"/>
+          </a:effectRef>
+          <a:fontRef idx="minor">
+            <a:schemeClr val="lt1"/>
+          </a:fontRef>
+        </p:style>
+        <p:txBody>
+          <a:bodyPr/>
+          <a:lstStyle/>
+          <a:p>
+            <a:endParaRPr lang="en-BE"/>
+          </a:p>
+        </p:txBody>
+      </p:sp>
+      <p:sp>
+        <p:nvSpPr>
+          <p:cNvPr id="27" name="Rectangle 26">
+            <a:extLst>
+              <a:ext uri="{FF2B5EF4-FFF2-40B4-BE49-F238E27FC236}">
+                <a16:creationId xmlns:a16="http://schemas.microsoft.com/office/drawing/2014/main" id="{8B1B45BD-D05B-47CB-97E5-994F293A1581}"/>
+              </a:ext>
+              <a:ext uri="{C183D7F6-B498-43B3-948B-1728B52AA6E4}">
+                <adec:decorative xmlns:adec="http://schemas.microsoft.com/office/drawing/2017/decorative" val="1"/>
+              </a:ext>
+            </a:extLst>
+          </p:cNvPr>
+          <p:cNvSpPr>
+            <a:spLocks noGrp="1" noRot="1" noChangeAspect="1" noMove="1" noResize="1" noEditPoints="1" noAdjustHandles="1" noChangeArrowheads="1" noChangeShapeType="1" noTextEdit="1"/>
+          </p:cNvSpPr>
+          <p:nvPr>
+            <p:extLst>
+              <p:ext uri="{386F3935-93C4-4BCD-93E2-E3B085C9AB24}">
+                <p16:designElem xmlns:p16="http://schemas.microsoft.com/office/powerpoint/2015/main" val="1"/>
+              </p:ext>
+            </p:extLst>
+          </p:nvPr>
+        </p:nvSpPr>
+        <p:spPr>
+          <a:xfrm>
+            <a:off x="0" y="0"/>
+            <a:ext cx="12192000" cy="6858000"/>
+          </a:xfrm>
+          <a:prstGeom prst="rect">
+            <a:avLst/>
+          </a:prstGeom>
+          <a:solidFill>
+            <a:schemeClr val="bg1">
+              <a:lumMod val="85000"/>
+              <a:lumOff val="15000"/>
+            </a:schemeClr>
+          </a:solidFill>
+          <a:ln>
+            <a:noFill/>
+          </a:ln>
+        </p:spPr>
+        <p:style>
+          <a:lnRef idx="2">
+            <a:schemeClr val="accent1">
+              <a:shade val="50000"/>
+            </a:schemeClr>
+          </a:lnRef>
+          <a:fillRef idx="1">
+            <a:schemeClr val="accent1"/>
+          </a:fillRef>
+          <a:effectRef idx="0">
+            <a:schemeClr val="accent1"/>
+          </a:effectRef>
+          <a:fontRef idx="minor">
+            <a:schemeClr val="lt1"/>
+          </a:fontRef>
+        </p:style>
+        <p:txBody>
+          <a:bodyPr rtlCol="0" anchor="ctr"/>
+          <a:lstStyle/>
+          <a:p>
+            <a:pPr algn="ctr"/>
+            <a:endParaRPr lang="en-US"/>
+          </a:p>
+        </p:txBody>
+      </p:sp>
+      <p:pic>
+        <p:nvPicPr>
+          <p:cNvPr id="29" name="Picture 28">
+            <a:extLst>
+              <a:ext uri="{FF2B5EF4-FFF2-40B4-BE49-F238E27FC236}">
+                <a16:creationId xmlns:a16="http://schemas.microsoft.com/office/drawing/2014/main" id="{57BDE151-4F7A-4E95-939F-18B2F607C742}"/>
+              </a:ext>
+              <a:ext uri="{C183D7F6-B498-43B3-948B-1728B52AA6E4}">
+                <adec:decorative xmlns:adec="http://schemas.microsoft.com/office/drawing/2017/decorative" val="1"/>
+              </a:ext>
+            </a:extLst>
+          </p:cNvPr>
+          <p:cNvPicPr>
+            <a:picLocks noGrp="1" noRot="1" noChangeAspect="1" noMove="1" noResize="1" noEditPoints="1" noAdjustHandles="1" noChangeArrowheads="1" noChangeShapeType="1" noCrop="1"/>
+          </p:cNvPicPr>
+          <p:nvPr>
+            <p:extLst>
+              <p:ext uri="{386F3935-93C4-4BCD-93E2-E3B085C9AB24}">
+                <p16:designElem xmlns:p16="http://schemas.microsoft.com/office/powerpoint/2015/main" val="1"/>
+              </p:ext>
+            </p:extLst>
+          </p:nvPr>
+        </p:nvPicPr>
+        <p:blipFill>
+          <a:blip r:embed="rId2">
+            <a:alphaModFix amt="10000"/>
+            <a:extLst>
+              <a:ext uri="{28A0092B-C50C-407E-A947-70E740481C1C}">
+                <a14:useLocalDpi xmlns:a14="http://schemas.microsoft.com/office/drawing/2010/main" val="0"/>
+              </a:ext>
+            </a:extLst>
+          </a:blip>
+          <a:stretch>
+            <a:fillRect/>
+          </a:stretch>
+        </p:blipFill>
+        <p:spPr>
+          <a:xfrm>
+            <a:off x="0" y="0"/>
+            <a:ext cx="12192000" cy="6858000"/>
+          </a:xfrm>
+          <a:prstGeom prst="rect">
+            <a:avLst/>
+          </a:prstGeom>
+        </p:spPr>
+      </p:pic>
+      <p:sp>
+        <p:nvSpPr>
+          <p:cNvPr id="2" name="Title 1">
+            <a:extLst>
+              <a:ext uri="{FF2B5EF4-FFF2-40B4-BE49-F238E27FC236}">
+                <a16:creationId xmlns:a16="http://schemas.microsoft.com/office/drawing/2014/main" id="{B0BF8E7B-C23F-EFFF-36E7-05BA08F737DD}"/>
+              </a:ext>
+            </a:extLst>
+          </p:cNvPr>
+          <p:cNvSpPr>
+            <a:spLocks noGrp="1"/>
+          </p:cNvSpPr>
+          <p:nvPr>
+            <p:ph type="title"/>
+          </p:nvPr>
+        </p:nvSpPr>
+        <p:spPr>
+          <a:xfrm>
+            <a:off x="965200" y="643467"/>
+            <a:ext cx="8133812" cy="3603022"/>
+          </a:xfrm>
+        </p:spPr>
+        <p:txBody>
+          <a:bodyPr vert="horz" lIns="91440" tIns="45720" rIns="91440" bIns="45720" rtlCol="0" anchor="b">
+            <a:normAutofit/>
+          </a:bodyPr>
+          <a:lstStyle/>
+          <a:p>
+            <a:pPr algn="r"/>
+            <a:r>
+              <a:rPr lang="en-US" sz="8000"/>
+              <a:t>Numerical Example </a:t>
+            </a:r>
+          </a:p>
+        </p:txBody>
+      </p:sp>
+      <p:sp>
+        <p:nvSpPr>
+          <p:cNvPr id="31" name="Rectangle 30">
+            <a:extLst>
+              <a:ext uri="{FF2B5EF4-FFF2-40B4-BE49-F238E27FC236}">
+                <a16:creationId xmlns:a16="http://schemas.microsoft.com/office/drawing/2014/main" id="{2D3E1E67-68B8-49AF-8DBA-E7E08CD3F886}"/>
+              </a:ext>
+              <a:ext uri="{C183D7F6-B498-43B3-948B-1728B52AA6E4}">
+                <adec:decorative xmlns:adec="http://schemas.microsoft.com/office/drawing/2017/decorative" val="1"/>
+              </a:ext>
+            </a:extLst>
+          </p:cNvPr>
+          <p:cNvSpPr>
+            <a:spLocks noGrp="1" noRot="1" noChangeAspect="1" noMove="1" noResize="1" noEditPoints="1" noAdjustHandles="1" noChangeArrowheads="1" noChangeShapeType="1" noTextEdit="1"/>
+          </p:cNvSpPr>
+          <p:nvPr>
+            <p:extLst>
+              <p:ext uri="{386F3935-93C4-4BCD-93E2-E3B085C9AB24}">
+                <p16:designElem xmlns:p16="http://schemas.microsoft.com/office/powerpoint/2015/main" val="1"/>
+              </p:ext>
+            </p:extLst>
+          </p:nvPr>
+        </p:nvSpPr>
+        <p:spPr bwMode="grayWhite">
+          <a:xfrm>
+            <a:off x="0" y="4568225"/>
+            <a:ext cx="12188824" cy="2289774"/>
+          </a:xfrm>
+          <a:prstGeom prst="rect">
+            <a:avLst/>
+          </a:prstGeom>
+          <a:solidFill>
+            <a:srgbClr val="181717">
+              <a:alpha val="89804"/>
+            </a:srgbClr>
+          </a:solidFill>
+          <a:ln>
+            <a:noFill/>
+          </a:ln>
+          <a:effectLst/>
+        </p:spPr>
+        <p:style>
+          <a:lnRef idx="2">
+            <a:schemeClr val="accent1">
+              <a:shade val="50000"/>
+            </a:schemeClr>
+          </a:lnRef>
+          <a:fillRef idx="1">
+            <a:schemeClr val="accent1"/>
+          </a:fillRef>
+          <a:effectRef idx="0">
+            <a:schemeClr val="accent1"/>
+          </a:effectRef>
+          <a:fontRef idx="minor">
+            <a:schemeClr val="lt1"/>
+          </a:fontRef>
+        </p:style>
+        <p:txBody>
+          <a:bodyPr/>
+          <a:lstStyle/>
+          <a:p>
+            <a:endParaRPr lang="en-BE"/>
+          </a:p>
+        </p:txBody>
+      </p:sp>
+      <p:sp>
+        <p:nvSpPr>
+          <p:cNvPr id="33" name="Rectangle 32">
+            <a:extLst>
+              <a:ext uri="{FF2B5EF4-FFF2-40B4-BE49-F238E27FC236}">
+                <a16:creationId xmlns:a16="http://schemas.microsoft.com/office/drawing/2014/main" id="{896FDE7C-B860-44EE-B294-C8358F7A8EB1}"/>
+              </a:ext>
+              <a:ext uri="{C183D7F6-B498-43B3-948B-1728B52AA6E4}">
+                <adec:decorative xmlns:adec="http://schemas.microsoft.com/office/drawing/2017/decorative" val="1"/>
+              </a:ext>
+            </a:extLst>
+          </p:cNvPr>
+          <p:cNvSpPr>
+            <a:spLocks noGrp="1" noRot="1" noChangeAspect="1" noMove="1" noResize="1" noEditPoints="1" noAdjustHandles="1" noChangeArrowheads="1" noChangeShapeType="1" noTextEdit="1"/>
+          </p:cNvSpPr>
+          <p:nvPr>
+            <p:extLst>
+              <p:ext uri="{386F3935-93C4-4BCD-93E2-E3B085C9AB24}">
+                <p16:designElem xmlns:p16="http://schemas.microsoft.com/office/powerpoint/2015/main" val="1"/>
+              </p:ext>
+            </p:extLst>
+          </p:nvPr>
+        </p:nvSpPr>
+        <p:spPr>
+          <a:xfrm>
+            <a:off x="9423921" y="4568225"/>
+            <a:ext cx="2764903" cy="2289774"/>
+          </a:xfrm>
+          <a:prstGeom prst="rect">
+            <a:avLst/>
+          </a:prstGeom>
+          <a:solidFill>
+            <a:schemeClr val="accent1"/>
+          </a:solidFill>
+          <a:ln>
+            <a:noFill/>
+          </a:ln>
+        </p:spPr>
+        <p:style>
+          <a:lnRef idx="2">
+            <a:schemeClr val="accent1">
+              <a:shade val="50000"/>
+            </a:schemeClr>
+          </a:lnRef>
+          <a:fillRef idx="1">
+            <a:schemeClr val="accent1"/>
+          </a:fillRef>
+          <a:effectRef idx="0">
+            <a:schemeClr val="accent1"/>
+          </a:effectRef>
+          <a:fontRef idx="minor">
+            <a:schemeClr val="lt1"/>
+          </a:fontRef>
+        </p:style>
+        <p:txBody>
+          <a:bodyPr/>
+          <a:lstStyle/>
+          <a:p>
+            <a:endParaRPr lang="en-BE"/>
+          </a:p>
+        </p:txBody>
+      </p:sp>
     </p:spTree>
     <p:extLst>
       <p:ext uri="{BB962C8B-B14F-4D97-AF65-F5344CB8AC3E}">
-        <p14:creationId xmlns:p14="http://schemas.microsoft.com/office/powerpoint/2010/main" val="3341652730"/>
+        <p14:creationId xmlns:p14="http://schemas.microsoft.com/office/powerpoint/2010/main" val="180445543"/>
       </p:ext>
     </p:extLst>
   </p:cSld>
